--- a/individualmaps.pptx
+++ b/individualmaps.pptx
@@ -4,10 +4,15 @@
   <p:sldMasterIdLst>
     <p:sldMasterId id="2147483648" r:id="rId1"/>
   </p:sldMasterIdLst>
+  <p:notesMasterIdLst>
+    <p:notesMasterId r:id="rId7"/>
+  </p:notesMasterIdLst>
   <p:sldIdLst>
     <p:sldId id="256" r:id="rId2"/>
     <p:sldId id="257" r:id="rId3"/>
     <p:sldId id="258" r:id="rId4"/>
+    <p:sldId id="259" r:id="rId5"/>
+    <p:sldId id="260" r:id="rId6"/>
   </p:sldIdLst>
   <p:sldSz cx="12192000" cy="6858000"/>
   <p:notesSz cx="6858000" cy="9144000"/>
@@ -106,7 +111,361 @@
       </a:defRPr>
     </a:lvl9pPr>
   </p:defaultTextStyle>
+  <p:extLst>
+    <p:ext uri="{EFAFB233-063F-42B5-8137-9DF3F51BA10A}">
+      <p15:sldGuideLst xmlns:p15="http://schemas.microsoft.com/office/powerpoint/2012/main"/>
+    </p:ext>
+  </p:extLst>
 </p:presentation>
+</file>
+
+<file path=ppt/notesMasters/notesMaster1.xml><?xml version="1.0" encoding="utf-8"?>
+<p:notesMaster xmlns:a="http://schemas.openxmlformats.org/drawingml/2006/main" xmlns:r="http://schemas.openxmlformats.org/officeDocument/2006/relationships" xmlns:p="http://schemas.openxmlformats.org/presentationml/2006/main">
+  <p:cSld>
+    <p:bg>
+      <p:bgRef idx="1001">
+        <a:schemeClr val="bg1"/>
+      </p:bgRef>
+    </p:bg>
+    <p:spTree>
+      <p:nvGrpSpPr>
+        <p:cNvPr id="1" name=""/>
+        <p:cNvGrpSpPr/>
+        <p:nvPr/>
+      </p:nvGrpSpPr>
+      <p:grpSpPr>
+        <a:xfrm>
+          <a:off x="0" y="0"/>
+          <a:ext cx="0" cy="0"/>
+          <a:chOff x="0" y="0"/>
+          <a:chExt cx="0" cy="0"/>
+        </a:xfrm>
+      </p:grpSpPr>
+      <p:sp>
+        <p:nvSpPr>
+          <p:cNvPr id="2" name="Header Placeholder 1"/>
+          <p:cNvSpPr>
+            <a:spLocks noGrp="1"/>
+          </p:cNvSpPr>
+          <p:nvPr>
+            <p:ph type="hdr" sz="quarter"/>
+          </p:nvPr>
+        </p:nvSpPr>
+        <p:spPr>
+          <a:xfrm>
+            <a:off x="0" y="0"/>
+            <a:ext cx="2971800" cy="458788"/>
+          </a:xfrm>
+          <a:prstGeom prst="rect">
+            <a:avLst/>
+          </a:prstGeom>
+        </p:spPr>
+        <p:txBody>
+          <a:bodyPr vert="horz" lIns="91440" tIns="45720" rIns="91440" bIns="45720" rtlCol="0"/>
+          <a:lstStyle>
+            <a:lvl1pPr algn="l">
+              <a:defRPr sz="1200"/>
+            </a:lvl1pPr>
+          </a:lstStyle>
+          <a:p>
+            <a:endParaRPr lang="en-US"/>
+          </a:p>
+        </p:txBody>
+      </p:sp>
+      <p:sp>
+        <p:nvSpPr>
+          <p:cNvPr id="3" name="Date Placeholder 2"/>
+          <p:cNvSpPr>
+            <a:spLocks noGrp="1"/>
+          </p:cNvSpPr>
+          <p:nvPr>
+            <p:ph type="dt" idx="1"/>
+          </p:nvPr>
+        </p:nvSpPr>
+        <p:spPr>
+          <a:xfrm>
+            <a:off x="3884613" y="0"/>
+            <a:ext cx="2971800" cy="458788"/>
+          </a:xfrm>
+          <a:prstGeom prst="rect">
+            <a:avLst/>
+          </a:prstGeom>
+        </p:spPr>
+        <p:txBody>
+          <a:bodyPr vert="horz" lIns="91440" tIns="45720" rIns="91440" bIns="45720" rtlCol="0"/>
+          <a:lstStyle>
+            <a:lvl1pPr algn="r">
+              <a:defRPr sz="1200"/>
+            </a:lvl1pPr>
+          </a:lstStyle>
+          <a:p>
+            <a:fld id="{545E65CD-57B2-4509-A4FC-F089F1DED931}" type="datetimeFigureOut">
+              <a:rPr lang="en-US" smtClean="0"/>
+              <a:t>10/27/2021</a:t>
+            </a:fld>
+            <a:endParaRPr lang="en-US"/>
+          </a:p>
+        </p:txBody>
+      </p:sp>
+      <p:sp>
+        <p:nvSpPr>
+          <p:cNvPr id="4" name="Slide Image Placeholder 3"/>
+          <p:cNvSpPr>
+            <a:spLocks noGrp="1" noRot="1" noChangeAspect="1"/>
+          </p:cNvSpPr>
+          <p:nvPr>
+            <p:ph type="sldImg" idx="2"/>
+          </p:nvPr>
+        </p:nvSpPr>
+        <p:spPr>
+          <a:xfrm>
+            <a:off x="685800" y="1143000"/>
+            <a:ext cx="5486400" cy="3086100"/>
+          </a:xfrm>
+          <a:prstGeom prst="rect">
+            <a:avLst/>
+          </a:prstGeom>
+          <a:noFill/>
+          <a:ln w="12700">
+            <a:solidFill>
+              <a:prstClr val="black"/>
+            </a:solidFill>
+          </a:ln>
+        </p:spPr>
+        <p:txBody>
+          <a:bodyPr vert="horz" lIns="91440" tIns="45720" rIns="91440" bIns="45720" rtlCol="0" anchor="ctr"/>
+          <a:lstStyle/>
+          <a:p>
+            <a:endParaRPr lang="en-US"/>
+          </a:p>
+        </p:txBody>
+      </p:sp>
+      <p:sp>
+        <p:nvSpPr>
+          <p:cNvPr id="5" name="Notes Placeholder 4"/>
+          <p:cNvSpPr>
+            <a:spLocks noGrp="1"/>
+          </p:cNvSpPr>
+          <p:nvPr>
+            <p:ph type="body" sz="quarter" idx="3"/>
+          </p:nvPr>
+        </p:nvSpPr>
+        <p:spPr>
+          <a:xfrm>
+            <a:off x="685800" y="4400550"/>
+            <a:ext cx="5486400" cy="3600450"/>
+          </a:xfrm>
+          <a:prstGeom prst="rect">
+            <a:avLst/>
+          </a:prstGeom>
+        </p:spPr>
+        <p:txBody>
+          <a:bodyPr vert="horz" lIns="91440" tIns="45720" rIns="91440" bIns="45720" rtlCol="0"/>
+          <a:lstStyle/>
+          <a:p>
+            <a:pPr lvl="0"/>
+            <a:r>
+              <a:rPr lang="en-US"/>
+              <a:t>Click to edit Master text styles</a:t>
+            </a:r>
+          </a:p>
+          <a:p>
+            <a:pPr lvl="1"/>
+            <a:r>
+              <a:rPr lang="en-US"/>
+              <a:t>Second level</a:t>
+            </a:r>
+          </a:p>
+          <a:p>
+            <a:pPr lvl="2"/>
+            <a:r>
+              <a:rPr lang="en-US"/>
+              <a:t>Third level</a:t>
+            </a:r>
+          </a:p>
+          <a:p>
+            <a:pPr lvl="3"/>
+            <a:r>
+              <a:rPr lang="en-US"/>
+              <a:t>Fourth level</a:t>
+            </a:r>
+          </a:p>
+          <a:p>
+            <a:pPr lvl="4"/>
+            <a:r>
+              <a:rPr lang="en-US"/>
+              <a:t>Fifth level</a:t>
+            </a:r>
+          </a:p>
+        </p:txBody>
+      </p:sp>
+      <p:sp>
+        <p:nvSpPr>
+          <p:cNvPr id="6" name="Footer Placeholder 5"/>
+          <p:cNvSpPr>
+            <a:spLocks noGrp="1"/>
+          </p:cNvSpPr>
+          <p:nvPr>
+            <p:ph type="ftr" sz="quarter" idx="4"/>
+          </p:nvPr>
+        </p:nvSpPr>
+        <p:spPr>
+          <a:xfrm>
+            <a:off x="0" y="8685213"/>
+            <a:ext cx="2971800" cy="458787"/>
+          </a:xfrm>
+          <a:prstGeom prst="rect">
+            <a:avLst/>
+          </a:prstGeom>
+        </p:spPr>
+        <p:txBody>
+          <a:bodyPr vert="horz" lIns="91440" tIns="45720" rIns="91440" bIns="45720" rtlCol="0" anchor="b"/>
+          <a:lstStyle>
+            <a:lvl1pPr algn="l">
+              <a:defRPr sz="1200"/>
+            </a:lvl1pPr>
+          </a:lstStyle>
+          <a:p>
+            <a:endParaRPr lang="en-US"/>
+          </a:p>
+        </p:txBody>
+      </p:sp>
+      <p:sp>
+        <p:nvSpPr>
+          <p:cNvPr id="7" name="Slide Number Placeholder 6"/>
+          <p:cNvSpPr>
+            <a:spLocks noGrp="1"/>
+          </p:cNvSpPr>
+          <p:nvPr>
+            <p:ph type="sldNum" sz="quarter" idx="5"/>
+          </p:nvPr>
+        </p:nvSpPr>
+        <p:spPr>
+          <a:xfrm>
+            <a:off x="3884613" y="8685213"/>
+            <a:ext cx="2971800" cy="458787"/>
+          </a:xfrm>
+          <a:prstGeom prst="rect">
+            <a:avLst/>
+          </a:prstGeom>
+        </p:spPr>
+        <p:txBody>
+          <a:bodyPr vert="horz" lIns="91440" tIns="45720" rIns="91440" bIns="45720" rtlCol="0" anchor="b"/>
+          <a:lstStyle>
+            <a:lvl1pPr algn="r">
+              <a:defRPr sz="1200"/>
+            </a:lvl1pPr>
+          </a:lstStyle>
+          <a:p>
+            <a:fld id="{4BB71C8F-17E7-483E-A5F1-184C8981AEB7}" type="slidenum">
+              <a:rPr lang="en-US" smtClean="0"/>
+              <a:t>‹#›</a:t>
+            </a:fld>
+            <a:endParaRPr lang="en-US"/>
+          </a:p>
+        </p:txBody>
+      </p:sp>
+    </p:spTree>
+    <p:extLst>
+      <p:ext uri="{BB962C8B-B14F-4D97-AF65-F5344CB8AC3E}">
+        <p14:creationId xmlns:p14="http://schemas.microsoft.com/office/powerpoint/2010/main" val="1205744460"/>
+      </p:ext>
+    </p:extLst>
+  </p:cSld>
+  <p:clrMap bg1="lt1" tx1="dk1" bg2="lt2" tx2="dk2" accent1="accent1" accent2="accent2" accent3="accent3" accent4="accent4" accent5="accent5" accent6="accent6" hlink="hlink" folHlink="folHlink"/>
+  <p:notesStyle>
+    <a:lvl1pPr marL="0" algn="l" defTabSz="914400" rtl="0" eaLnBrk="1" latinLnBrk="0" hangingPunct="1">
+      <a:defRPr sz="1200" kern="1200">
+        <a:solidFill>
+          <a:schemeClr val="tx1"/>
+        </a:solidFill>
+        <a:latin typeface="+mn-lt"/>
+        <a:ea typeface="+mn-ea"/>
+        <a:cs typeface="+mn-cs"/>
+      </a:defRPr>
+    </a:lvl1pPr>
+    <a:lvl2pPr marL="457200" algn="l" defTabSz="914400" rtl="0" eaLnBrk="1" latinLnBrk="0" hangingPunct="1">
+      <a:defRPr sz="1200" kern="1200">
+        <a:solidFill>
+          <a:schemeClr val="tx1"/>
+        </a:solidFill>
+        <a:latin typeface="+mn-lt"/>
+        <a:ea typeface="+mn-ea"/>
+        <a:cs typeface="+mn-cs"/>
+      </a:defRPr>
+    </a:lvl2pPr>
+    <a:lvl3pPr marL="914400" algn="l" defTabSz="914400" rtl="0" eaLnBrk="1" latinLnBrk="0" hangingPunct="1">
+      <a:defRPr sz="1200" kern="1200">
+        <a:solidFill>
+          <a:schemeClr val="tx1"/>
+        </a:solidFill>
+        <a:latin typeface="+mn-lt"/>
+        <a:ea typeface="+mn-ea"/>
+        <a:cs typeface="+mn-cs"/>
+      </a:defRPr>
+    </a:lvl3pPr>
+    <a:lvl4pPr marL="1371600" algn="l" defTabSz="914400" rtl="0" eaLnBrk="1" latinLnBrk="0" hangingPunct="1">
+      <a:defRPr sz="1200" kern="1200">
+        <a:solidFill>
+          <a:schemeClr val="tx1"/>
+        </a:solidFill>
+        <a:latin typeface="+mn-lt"/>
+        <a:ea typeface="+mn-ea"/>
+        <a:cs typeface="+mn-cs"/>
+      </a:defRPr>
+    </a:lvl4pPr>
+    <a:lvl5pPr marL="1828800" algn="l" defTabSz="914400" rtl="0" eaLnBrk="1" latinLnBrk="0" hangingPunct="1">
+      <a:defRPr sz="1200" kern="1200">
+        <a:solidFill>
+          <a:schemeClr val="tx1"/>
+        </a:solidFill>
+        <a:latin typeface="+mn-lt"/>
+        <a:ea typeface="+mn-ea"/>
+        <a:cs typeface="+mn-cs"/>
+      </a:defRPr>
+    </a:lvl5pPr>
+    <a:lvl6pPr marL="2286000" algn="l" defTabSz="914400" rtl="0" eaLnBrk="1" latinLnBrk="0" hangingPunct="1">
+      <a:defRPr sz="1200" kern="1200">
+        <a:solidFill>
+          <a:schemeClr val="tx1"/>
+        </a:solidFill>
+        <a:latin typeface="+mn-lt"/>
+        <a:ea typeface="+mn-ea"/>
+        <a:cs typeface="+mn-cs"/>
+      </a:defRPr>
+    </a:lvl6pPr>
+    <a:lvl7pPr marL="2743200" algn="l" defTabSz="914400" rtl="0" eaLnBrk="1" latinLnBrk="0" hangingPunct="1">
+      <a:defRPr sz="1200" kern="1200">
+        <a:solidFill>
+          <a:schemeClr val="tx1"/>
+        </a:solidFill>
+        <a:latin typeface="+mn-lt"/>
+        <a:ea typeface="+mn-ea"/>
+        <a:cs typeface="+mn-cs"/>
+      </a:defRPr>
+    </a:lvl7pPr>
+    <a:lvl8pPr marL="3200400" algn="l" defTabSz="914400" rtl="0" eaLnBrk="1" latinLnBrk="0" hangingPunct="1">
+      <a:defRPr sz="1200" kern="1200">
+        <a:solidFill>
+          <a:schemeClr val="tx1"/>
+        </a:solidFill>
+        <a:latin typeface="+mn-lt"/>
+        <a:ea typeface="+mn-ea"/>
+        <a:cs typeface="+mn-cs"/>
+      </a:defRPr>
+    </a:lvl8pPr>
+    <a:lvl9pPr marL="3657600" algn="l" defTabSz="914400" rtl="0" eaLnBrk="1" latinLnBrk="0" hangingPunct="1">
+      <a:defRPr sz="1200" kern="1200">
+        <a:solidFill>
+          <a:schemeClr val="tx1"/>
+        </a:solidFill>
+        <a:latin typeface="+mn-lt"/>
+        <a:ea typeface="+mn-ea"/>
+        <a:cs typeface="+mn-cs"/>
+      </a:defRPr>
+    </a:lvl9pPr>
+  </p:notesStyle>
+</p:notesMaster>
 </file>
 
 <file path=ppt/slideLayouts/slideLayout1.xml><?xml version="1.0" encoding="utf-8"?>
@@ -254,7 +613,7 @@
           <a:bodyPr/>
           <a:lstStyle/>
           <a:p>
-            <a:fld id="{7DF7D658-8D23-4577-A361-1C7BA79EBB5D}" type="datetimeFigureOut">
+            <a:fld id="{46C23AC7-CAD3-4991-AC7A-69A5FF2278A6}" type="datetime1">
               <a:rPr lang="en-US" smtClean="0"/>
               <a:t>10/27/2021</a:t>
             </a:fld>
@@ -452,7 +811,7 @@
           <a:bodyPr/>
           <a:lstStyle/>
           <a:p>
-            <a:fld id="{7DF7D658-8D23-4577-A361-1C7BA79EBB5D}" type="datetimeFigureOut">
+            <a:fld id="{EFB9B713-8850-4EC7-AA82-E8422942268A}" type="datetime1">
               <a:rPr lang="en-US" smtClean="0"/>
               <a:t>10/27/2021</a:t>
             </a:fld>
@@ -660,7 +1019,7 @@
           <a:bodyPr/>
           <a:lstStyle/>
           <a:p>
-            <a:fld id="{7DF7D658-8D23-4577-A361-1C7BA79EBB5D}" type="datetimeFigureOut">
+            <a:fld id="{04472B49-0CC5-4650-B771-6D7BDC04CDAC}" type="datetime1">
               <a:rPr lang="en-US" smtClean="0"/>
               <a:t>10/27/2021</a:t>
             </a:fld>
@@ -858,7 +1217,7 @@
           <a:bodyPr/>
           <a:lstStyle/>
           <a:p>
-            <a:fld id="{7DF7D658-8D23-4577-A361-1C7BA79EBB5D}" type="datetimeFigureOut">
+            <a:fld id="{6C6AB477-FF6B-4D99-8B74-00100769E200}" type="datetime1">
               <a:rPr lang="en-US" smtClean="0"/>
               <a:t>10/27/2021</a:t>
             </a:fld>
@@ -1133,7 +1492,7 @@
           <a:bodyPr/>
           <a:lstStyle/>
           <a:p>
-            <a:fld id="{7DF7D658-8D23-4577-A361-1C7BA79EBB5D}" type="datetimeFigureOut">
+            <a:fld id="{5B6394E8-4A30-47BC-8D86-FEEC32E71731}" type="datetime1">
               <a:rPr lang="en-US" smtClean="0"/>
               <a:t>10/27/2021</a:t>
             </a:fld>
@@ -1398,7 +1757,7 @@
           <a:bodyPr/>
           <a:lstStyle/>
           <a:p>
-            <a:fld id="{7DF7D658-8D23-4577-A361-1C7BA79EBB5D}" type="datetimeFigureOut">
+            <a:fld id="{7E9D8834-0222-4028-B223-C673D073BDD4}" type="datetime1">
               <a:rPr lang="en-US" smtClean="0"/>
               <a:t>10/27/2021</a:t>
             </a:fld>
@@ -1810,7 +2169,7 @@
           <a:bodyPr/>
           <a:lstStyle/>
           <a:p>
-            <a:fld id="{7DF7D658-8D23-4577-A361-1C7BA79EBB5D}" type="datetimeFigureOut">
+            <a:fld id="{C6AA874B-2C0A-4395-B488-84118E9E5A02}" type="datetime1">
               <a:rPr lang="en-US" smtClean="0"/>
               <a:t>10/27/2021</a:t>
             </a:fld>
@@ -1951,7 +2310,7 @@
           <a:bodyPr/>
           <a:lstStyle/>
           <a:p>
-            <a:fld id="{7DF7D658-8D23-4577-A361-1C7BA79EBB5D}" type="datetimeFigureOut">
+            <a:fld id="{37D7B85B-0D59-482F-821C-FD8F8E608F00}" type="datetime1">
               <a:rPr lang="en-US" smtClean="0"/>
               <a:t>10/27/2021</a:t>
             </a:fld>
@@ -2064,7 +2423,7 @@
           <a:bodyPr/>
           <a:lstStyle/>
           <a:p>
-            <a:fld id="{7DF7D658-8D23-4577-A361-1C7BA79EBB5D}" type="datetimeFigureOut">
+            <a:fld id="{3F043AEA-C6B4-4015-8CC5-AD00B8FFFDA2}" type="datetime1">
               <a:rPr lang="en-US" smtClean="0"/>
               <a:t>10/27/2021</a:t>
             </a:fld>
@@ -2375,7 +2734,7 @@
           <a:bodyPr/>
           <a:lstStyle/>
           <a:p>
-            <a:fld id="{7DF7D658-8D23-4577-A361-1C7BA79EBB5D}" type="datetimeFigureOut">
+            <a:fld id="{CF4630D9-8669-4B4E-B6E1-1A47A981269C}" type="datetime1">
               <a:rPr lang="en-US" smtClean="0"/>
               <a:t>10/27/2021</a:t>
             </a:fld>
@@ -2663,7 +3022,7 @@
           <a:bodyPr/>
           <a:lstStyle/>
           <a:p>
-            <a:fld id="{7DF7D658-8D23-4577-A361-1C7BA79EBB5D}" type="datetimeFigureOut">
+            <a:fld id="{3D60E094-193C-486A-A420-E23B8664E227}" type="datetime1">
               <a:rPr lang="en-US" smtClean="0"/>
               <a:t>10/27/2021</a:t>
             </a:fld>
@@ -2904,7 +3263,7 @@
             </a:lvl1pPr>
           </a:lstStyle>
           <a:p>
-            <a:fld id="{7DF7D658-8D23-4577-A361-1C7BA79EBB5D}" type="datetimeFigureOut">
+            <a:fld id="{E871DB1B-3385-4DB1-9C3E-FAF2B1D9BF86}" type="datetime1">
               <a:rPr lang="en-US" smtClean="0"/>
               <a:t>10/27/2021</a:t>
             </a:fld>
@@ -3023,6 +3382,7 @@
     <p:sldLayoutId id="2147483658" r:id="rId10"/>
     <p:sldLayoutId id="2147483659" r:id="rId11"/>
   </p:sldLayoutIdLst>
+  <p:hf hdr="0" ftr="0" dt="0"/>
   <p:txStyles>
     <p:titleStyle>
       <a:lvl1pPr algn="l" defTabSz="914400" rtl="0" eaLnBrk="1" latinLnBrk="0" hangingPunct="1">
@@ -3456,6 +3816,35 @@
           </a:p>
         </p:txBody>
       </p:sp>
+      <p:sp>
+        <p:nvSpPr>
+          <p:cNvPr id="2" name="Slide Number Placeholder 1">
+            <a:extLst>
+              <a:ext uri="{FF2B5EF4-FFF2-40B4-BE49-F238E27FC236}">
+                <a16:creationId xmlns:a16="http://schemas.microsoft.com/office/drawing/2014/main" id="{D80C1CE5-4BBC-48EB-AC5C-6D9A4D197274}"/>
+              </a:ext>
+            </a:extLst>
+          </p:cNvPr>
+          <p:cNvSpPr>
+            <a:spLocks noGrp="1"/>
+          </p:cNvSpPr>
+          <p:nvPr>
+            <p:ph type="sldNum" sz="quarter" idx="12"/>
+          </p:nvPr>
+        </p:nvSpPr>
+        <p:spPr/>
+        <p:txBody>
+          <a:bodyPr/>
+          <a:lstStyle/>
+          <a:p>
+            <a:fld id="{C65F0D4D-5833-4BE3-87E9-B2DEFD833204}" type="slidenum">
+              <a:rPr lang="en-US" smtClean="0"/>
+              <a:t>1</a:t>
+            </a:fld>
+            <a:endParaRPr lang="en-US"/>
+          </a:p>
+        </p:txBody>
+      </p:sp>
     </p:spTree>
     <p:extLst>
       <p:ext uri="{BB962C8B-B14F-4D97-AF65-F5344CB8AC3E}">
@@ -3619,6 +4008,35 @@
           </a:p>
         </p:txBody>
       </p:sp>
+      <p:sp>
+        <p:nvSpPr>
+          <p:cNvPr id="2" name="Slide Number Placeholder 1">
+            <a:extLst>
+              <a:ext uri="{FF2B5EF4-FFF2-40B4-BE49-F238E27FC236}">
+                <a16:creationId xmlns:a16="http://schemas.microsoft.com/office/drawing/2014/main" id="{DAB31753-666A-4848-8C08-E5DACA2EBB13}"/>
+              </a:ext>
+            </a:extLst>
+          </p:cNvPr>
+          <p:cNvSpPr>
+            <a:spLocks noGrp="1"/>
+          </p:cNvSpPr>
+          <p:nvPr>
+            <p:ph type="sldNum" sz="quarter" idx="12"/>
+          </p:nvPr>
+        </p:nvSpPr>
+        <p:spPr/>
+        <p:txBody>
+          <a:bodyPr/>
+          <a:lstStyle/>
+          <a:p>
+            <a:fld id="{C65F0D4D-5833-4BE3-87E9-B2DEFD833204}" type="slidenum">
+              <a:rPr lang="en-US" smtClean="0"/>
+              <a:t>2</a:t>
+            </a:fld>
+            <a:endParaRPr lang="en-US"/>
+          </a:p>
+        </p:txBody>
+      </p:sp>
     </p:spTree>
     <p:extLst>
       <p:ext uri="{BB962C8B-B14F-4D97-AF65-F5344CB8AC3E}">
@@ -3782,10 +4200,285 @@
           </a:p>
         </p:txBody>
       </p:sp>
+      <p:sp>
+        <p:nvSpPr>
+          <p:cNvPr id="2" name="Slide Number Placeholder 1">
+            <a:extLst>
+              <a:ext uri="{FF2B5EF4-FFF2-40B4-BE49-F238E27FC236}">
+                <a16:creationId xmlns:a16="http://schemas.microsoft.com/office/drawing/2014/main" id="{730034A1-DF67-4C3C-9622-B3842EF64480}"/>
+              </a:ext>
+            </a:extLst>
+          </p:cNvPr>
+          <p:cNvSpPr>
+            <a:spLocks noGrp="1"/>
+          </p:cNvSpPr>
+          <p:nvPr>
+            <p:ph type="sldNum" sz="quarter" idx="12"/>
+          </p:nvPr>
+        </p:nvSpPr>
+        <p:spPr/>
+        <p:txBody>
+          <a:bodyPr/>
+          <a:lstStyle/>
+          <a:p>
+            <a:fld id="{C65F0D4D-5833-4BE3-87E9-B2DEFD833204}" type="slidenum">
+              <a:rPr lang="en-US" smtClean="0"/>
+              <a:t>3</a:t>
+            </a:fld>
+            <a:endParaRPr lang="en-US"/>
+          </a:p>
+        </p:txBody>
+      </p:sp>
     </p:spTree>
     <p:extLst>
       <p:ext uri="{BB962C8B-B14F-4D97-AF65-F5344CB8AC3E}">
         <p14:creationId xmlns:p14="http://schemas.microsoft.com/office/powerpoint/2010/main" val="287186056"/>
+      </p:ext>
+    </p:extLst>
+  </p:cSld>
+  <p:clrMapOvr>
+    <a:masterClrMapping/>
+  </p:clrMapOvr>
+</p:sld>
+</file>
+
+<file path=ppt/slides/slide4.xml><?xml version="1.0" encoding="utf-8"?>
+<p:sld xmlns:a="http://schemas.openxmlformats.org/drawingml/2006/main" xmlns:r="http://schemas.openxmlformats.org/officeDocument/2006/relationships" xmlns:p="http://schemas.openxmlformats.org/presentationml/2006/main">
+  <p:cSld>
+    <p:spTree>
+      <p:nvGrpSpPr>
+        <p:cNvPr id="1" name=""/>
+        <p:cNvGrpSpPr/>
+        <p:nvPr/>
+      </p:nvGrpSpPr>
+      <p:grpSpPr>
+        <a:xfrm>
+          <a:off x="0" y="0"/>
+          <a:ext cx="0" cy="0"/>
+          <a:chOff x="0" y="0"/>
+          <a:chExt cx="0" cy="0"/>
+        </a:xfrm>
+      </p:grpSpPr>
+      <p:pic>
+        <p:nvPicPr>
+          <p:cNvPr id="5" name="Picture 4">
+            <a:extLst>
+              <a:ext uri="{FF2B5EF4-FFF2-40B4-BE49-F238E27FC236}">
+                <a16:creationId xmlns:a16="http://schemas.microsoft.com/office/drawing/2014/main" id="{58D589D7-6F34-4D2B-9FFC-E581D3DA41BA}"/>
+              </a:ext>
+            </a:extLst>
+          </p:cNvPr>
+          <p:cNvPicPr>
+            <a:picLocks noChangeAspect="1"/>
+          </p:cNvPicPr>
+          <p:nvPr/>
+        </p:nvPicPr>
+        <p:blipFill rotWithShape="1">
+          <a:blip r:embed="rId2"/>
+          <a:srcRect l="20729" t="7205" r="14123" b="13441"/>
+          <a:stretch/>
+        </p:blipFill>
+        <p:spPr>
+          <a:xfrm>
+            <a:off x="860322" y="707922"/>
+            <a:ext cx="5840361" cy="5442156"/>
+          </a:xfrm>
+          <a:prstGeom prst="rect">
+            <a:avLst/>
+          </a:prstGeom>
+        </p:spPr>
+      </p:pic>
+      <p:sp>
+        <p:nvSpPr>
+          <p:cNvPr id="6" name="TextBox 5">
+            <a:extLst>
+              <a:ext uri="{FF2B5EF4-FFF2-40B4-BE49-F238E27FC236}">
+                <a16:creationId xmlns:a16="http://schemas.microsoft.com/office/drawing/2014/main" id="{D99A2268-785E-4FD2-8A71-2089463BA0F9}"/>
+              </a:ext>
+            </a:extLst>
+          </p:cNvPr>
+          <p:cNvSpPr txBox="1"/>
+          <p:nvPr/>
+        </p:nvSpPr>
+        <p:spPr>
+          <a:xfrm>
+            <a:off x="1680693" y="309093"/>
+            <a:ext cx="1815921" cy="369332"/>
+          </a:xfrm>
+          <a:prstGeom prst="rect">
+            <a:avLst/>
+          </a:prstGeom>
+          <a:noFill/>
+        </p:spPr>
+        <p:txBody>
+          <a:bodyPr wrap="square" rtlCol="0">
+            <a:spAutoFit/>
+          </a:bodyPr>
+          <a:lstStyle/>
+          <a:p>
+            <a:r>
+              <a:rPr lang="en-US" dirty="0"/>
+              <a:t>MW5 September</a:t>
+            </a:r>
+          </a:p>
+        </p:txBody>
+      </p:sp>
+      <p:sp>
+        <p:nvSpPr>
+          <p:cNvPr id="7" name="Slide Number Placeholder 6">
+            <a:extLst>
+              <a:ext uri="{FF2B5EF4-FFF2-40B4-BE49-F238E27FC236}">
+                <a16:creationId xmlns:a16="http://schemas.microsoft.com/office/drawing/2014/main" id="{4D445833-E13D-4534-BF9D-A9A577A331AA}"/>
+              </a:ext>
+            </a:extLst>
+          </p:cNvPr>
+          <p:cNvSpPr>
+            <a:spLocks noGrp="1"/>
+          </p:cNvSpPr>
+          <p:nvPr>
+            <p:ph type="sldNum" sz="quarter" idx="12"/>
+          </p:nvPr>
+        </p:nvSpPr>
+        <p:spPr/>
+        <p:txBody>
+          <a:bodyPr/>
+          <a:lstStyle/>
+          <a:p>
+            <a:fld id="{C65F0D4D-5833-4BE3-87E9-B2DEFD833204}" type="slidenum">
+              <a:rPr lang="en-US" smtClean="0"/>
+              <a:t>4</a:t>
+            </a:fld>
+            <a:endParaRPr lang="en-US"/>
+          </a:p>
+        </p:txBody>
+      </p:sp>
+    </p:spTree>
+    <p:extLst>
+      <p:ext uri="{BB962C8B-B14F-4D97-AF65-F5344CB8AC3E}">
+        <p14:creationId xmlns:p14="http://schemas.microsoft.com/office/powerpoint/2010/main" val="2903807013"/>
+      </p:ext>
+    </p:extLst>
+  </p:cSld>
+  <p:clrMapOvr>
+    <a:masterClrMapping/>
+  </p:clrMapOvr>
+</p:sld>
+</file>
+
+<file path=ppt/slides/slide5.xml><?xml version="1.0" encoding="utf-8"?>
+<p:sld xmlns:a="http://schemas.openxmlformats.org/drawingml/2006/main" xmlns:r="http://schemas.openxmlformats.org/officeDocument/2006/relationships" xmlns:p="http://schemas.openxmlformats.org/presentationml/2006/main">
+  <p:cSld>
+    <p:spTree>
+      <p:nvGrpSpPr>
+        <p:cNvPr id="1" name=""/>
+        <p:cNvGrpSpPr/>
+        <p:nvPr/>
+      </p:nvGrpSpPr>
+      <p:grpSpPr>
+        <a:xfrm>
+          <a:off x="0" y="0"/>
+          <a:ext cx="0" cy="0"/>
+          <a:chOff x="0" y="0"/>
+          <a:chExt cx="0" cy="0"/>
+        </a:xfrm>
+      </p:grpSpPr>
+      <p:sp>
+        <p:nvSpPr>
+          <p:cNvPr id="4" name="Slide Number Placeholder 3">
+            <a:extLst>
+              <a:ext uri="{FF2B5EF4-FFF2-40B4-BE49-F238E27FC236}">
+                <a16:creationId xmlns:a16="http://schemas.microsoft.com/office/drawing/2014/main" id="{B929C36F-2384-4152-A5AA-EA90BC1643FE}"/>
+              </a:ext>
+            </a:extLst>
+          </p:cNvPr>
+          <p:cNvSpPr>
+            <a:spLocks noGrp="1"/>
+          </p:cNvSpPr>
+          <p:nvPr>
+            <p:ph type="sldNum" sz="quarter" idx="12"/>
+          </p:nvPr>
+        </p:nvSpPr>
+        <p:spPr/>
+        <p:txBody>
+          <a:bodyPr/>
+          <a:lstStyle/>
+          <a:p>
+            <a:fld id="{C65F0D4D-5833-4BE3-87E9-B2DEFD833204}" type="slidenum">
+              <a:rPr lang="en-US" smtClean="0"/>
+              <a:t>5</a:t>
+            </a:fld>
+            <a:endParaRPr lang="en-US"/>
+          </a:p>
+        </p:txBody>
+      </p:sp>
+      <p:pic>
+        <p:nvPicPr>
+          <p:cNvPr id="6" name="Picture 5">
+            <a:extLst>
+              <a:ext uri="{FF2B5EF4-FFF2-40B4-BE49-F238E27FC236}">
+                <a16:creationId xmlns:a16="http://schemas.microsoft.com/office/drawing/2014/main" id="{5203B270-2B9E-44E8-A2B8-C125FA130AB5}"/>
+              </a:ext>
+            </a:extLst>
+          </p:cNvPr>
+          <p:cNvPicPr>
+            <a:picLocks noChangeAspect="1"/>
+          </p:cNvPicPr>
+          <p:nvPr/>
+        </p:nvPicPr>
+        <p:blipFill rotWithShape="1">
+          <a:blip r:embed="rId2"/>
+          <a:srcRect l="21950" t="9355" r="10571" b="12365"/>
+          <a:stretch/>
+        </p:blipFill>
+        <p:spPr>
+          <a:xfrm>
+            <a:off x="2696497" y="523568"/>
+            <a:ext cx="6049296" cy="5368414"/>
+          </a:xfrm>
+          <a:prstGeom prst="rect">
+            <a:avLst/>
+          </a:prstGeom>
+        </p:spPr>
+      </p:pic>
+      <p:sp>
+        <p:nvSpPr>
+          <p:cNvPr id="7" name="TextBox 6">
+            <a:extLst>
+              <a:ext uri="{FF2B5EF4-FFF2-40B4-BE49-F238E27FC236}">
+                <a16:creationId xmlns:a16="http://schemas.microsoft.com/office/drawing/2014/main" id="{2253B127-EA4A-4494-A40B-DD1BA831716D}"/>
+              </a:ext>
+            </a:extLst>
+          </p:cNvPr>
+          <p:cNvSpPr txBox="1"/>
+          <p:nvPr/>
+        </p:nvSpPr>
+        <p:spPr>
+          <a:xfrm>
+            <a:off x="611435" y="242725"/>
+            <a:ext cx="1815921" cy="369332"/>
+          </a:xfrm>
+          <a:prstGeom prst="rect">
+            <a:avLst/>
+          </a:prstGeom>
+          <a:noFill/>
+        </p:spPr>
+        <p:txBody>
+          <a:bodyPr wrap="square" rtlCol="0">
+            <a:spAutoFit/>
+          </a:bodyPr>
+          <a:lstStyle/>
+          <a:p>
+            <a:r>
+              <a:rPr lang="en-US" dirty="0"/>
+              <a:t>MW6 December</a:t>
+            </a:r>
+          </a:p>
+        </p:txBody>
+      </p:sp>
+    </p:spTree>
+    <p:extLst>
+      <p:ext uri="{BB962C8B-B14F-4D97-AF65-F5344CB8AC3E}">
+        <p14:creationId xmlns:p14="http://schemas.microsoft.com/office/powerpoint/2010/main" val="3968304436"/>
       </p:ext>
     </p:extLst>
   </p:cSld>
@@ -4088,4 +4781,299 @@
     </a:ext>
   </a:extLst>
 </a:theme>
+</file>
+
+<file path=ppt/theme/theme2.xml><?xml version="1.0" encoding="utf-8"?>
+<a:theme xmlns:a="http://schemas.openxmlformats.org/drawingml/2006/main" name="Office Theme">
+  <a:themeElements>
+    <a:clrScheme name="Office">
+      <a:dk1>
+        <a:sysClr val="windowText" lastClr="000000"/>
+      </a:dk1>
+      <a:lt1>
+        <a:sysClr val="window" lastClr="FFFFFF"/>
+      </a:lt1>
+      <a:dk2>
+        <a:srgbClr val="44546A"/>
+      </a:dk2>
+      <a:lt2>
+        <a:srgbClr val="E7E6E6"/>
+      </a:lt2>
+      <a:accent1>
+        <a:srgbClr val="4472C4"/>
+      </a:accent1>
+      <a:accent2>
+        <a:srgbClr val="ED7D31"/>
+      </a:accent2>
+      <a:accent3>
+        <a:srgbClr val="A5A5A5"/>
+      </a:accent3>
+      <a:accent4>
+        <a:srgbClr val="FFC000"/>
+      </a:accent4>
+      <a:accent5>
+        <a:srgbClr val="5B9BD5"/>
+      </a:accent5>
+      <a:accent6>
+        <a:srgbClr val="70AD47"/>
+      </a:accent6>
+      <a:hlink>
+        <a:srgbClr val="0563C1"/>
+      </a:hlink>
+      <a:folHlink>
+        <a:srgbClr val="954F72"/>
+      </a:folHlink>
+    </a:clrScheme>
+    <a:fontScheme name="Office">
+      <a:majorFont>
+        <a:latin typeface="Calibri Light" panose="020F0302020204030204"/>
+        <a:ea typeface=""/>
+        <a:cs typeface=""/>
+        <a:font script="Jpan" typeface="游ゴシック Light"/>
+        <a:font script="Hang" typeface="맑은 고딕"/>
+        <a:font script="Hans" typeface="等线 Light"/>
+        <a:font script="Hant" typeface="新細明體"/>
+        <a:font script="Arab" typeface="Times New Roman"/>
+        <a:font script="Hebr" typeface="Times New Roman"/>
+        <a:font script="Thai" typeface="Angsana New"/>
+        <a:font script="Ethi" typeface="Nyala"/>
+        <a:font script="Beng" typeface="Vrinda"/>
+        <a:font script="Gujr" typeface="Shruti"/>
+        <a:font script="Khmr" typeface="MoolBoran"/>
+        <a:font script="Knda" typeface="Tunga"/>
+        <a:font script="Guru" typeface="Raavi"/>
+        <a:font script="Cans" typeface="Euphemia"/>
+        <a:font script="Cher" typeface="Plantagenet Cherokee"/>
+        <a:font script="Yiii" typeface="Microsoft Yi Baiti"/>
+        <a:font script="Tibt" typeface="Microsoft Himalaya"/>
+        <a:font script="Thaa" typeface="MV Boli"/>
+        <a:font script="Deva" typeface="Mangal"/>
+        <a:font script="Telu" typeface="Gautami"/>
+        <a:font script="Taml" typeface="Latha"/>
+        <a:font script="Syrc" typeface="Estrangelo Edessa"/>
+        <a:font script="Orya" typeface="Kalinga"/>
+        <a:font script="Mlym" typeface="Kartika"/>
+        <a:font script="Laoo" typeface="DokChampa"/>
+        <a:font script="Sinh" typeface="Iskoola Pota"/>
+        <a:font script="Mong" typeface="Mongolian Baiti"/>
+        <a:font script="Viet" typeface="Times New Roman"/>
+        <a:font script="Uigh" typeface="Microsoft Uighur"/>
+        <a:font script="Geor" typeface="Sylfaen"/>
+        <a:font script="Armn" typeface="Arial"/>
+        <a:font script="Bugi" typeface="Leelawadee UI"/>
+        <a:font script="Bopo" typeface="Microsoft JhengHei"/>
+        <a:font script="Java" typeface="Javanese Text"/>
+        <a:font script="Lisu" typeface="Segoe UI"/>
+        <a:font script="Mymr" typeface="Myanmar Text"/>
+        <a:font script="Nkoo" typeface="Ebrima"/>
+        <a:font script="Olck" typeface="Nirmala UI"/>
+        <a:font script="Osma" typeface="Ebrima"/>
+        <a:font script="Phag" typeface="Phagspa"/>
+        <a:font script="Syrn" typeface="Estrangelo Edessa"/>
+        <a:font script="Syrj" typeface="Estrangelo Edessa"/>
+        <a:font script="Syre" typeface="Estrangelo Edessa"/>
+        <a:font script="Sora" typeface="Nirmala UI"/>
+        <a:font script="Tale" typeface="Microsoft Tai Le"/>
+        <a:font script="Talu" typeface="Microsoft New Tai Lue"/>
+        <a:font script="Tfng" typeface="Ebrima"/>
+      </a:majorFont>
+      <a:minorFont>
+        <a:latin typeface="Calibri" panose="020F0502020204030204"/>
+        <a:ea typeface=""/>
+        <a:cs typeface=""/>
+        <a:font script="Jpan" typeface="游ゴシック"/>
+        <a:font script="Hang" typeface="맑은 고딕"/>
+        <a:font script="Hans" typeface="等线"/>
+        <a:font script="Hant" typeface="新細明體"/>
+        <a:font script="Arab" typeface="Arial"/>
+        <a:font script="Hebr" typeface="Arial"/>
+        <a:font script="Thai" typeface="Cordia New"/>
+        <a:font script="Ethi" typeface="Nyala"/>
+        <a:font script="Beng" typeface="Vrinda"/>
+        <a:font script="Gujr" typeface="Shruti"/>
+        <a:font script="Khmr" typeface="DaunPenh"/>
+        <a:font script="Knda" typeface="Tunga"/>
+        <a:font script="Guru" typeface="Raavi"/>
+        <a:font script="Cans" typeface="Euphemia"/>
+        <a:font script="Cher" typeface="Plantagenet Cherokee"/>
+        <a:font script="Yiii" typeface="Microsoft Yi Baiti"/>
+        <a:font script="Tibt" typeface="Microsoft Himalaya"/>
+        <a:font script="Thaa" typeface="MV Boli"/>
+        <a:font script="Deva" typeface="Mangal"/>
+        <a:font script="Telu" typeface="Gautami"/>
+        <a:font script="Taml" typeface="Latha"/>
+        <a:font script="Syrc" typeface="Estrangelo Edessa"/>
+        <a:font script="Orya" typeface="Kalinga"/>
+        <a:font script="Mlym" typeface="Kartika"/>
+        <a:font script="Laoo" typeface="DokChampa"/>
+        <a:font script="Sinh" typeface="Iskoola Pota"/>
+        <a:font script="Mong" typeface="Mongolian Baiti"/>
+        <a:font script="Viet" typeface="Arial"/>
+        <a:font script="Uigh" typeface="Microsoft Uighur"/>
+        <a:font script="Geor" typeface="Sylfaen"/>
+        <a:font script="Armn" typeface="Arial"/>
+        <a:font script="Bugi" typeface="Leelawadee UI"/>
+        <a:font script="Bopo" typeface="Microsoft JhengHei"/>
+        <a:font script="Java" typeface="Javanese Text"/>
+        <a:font script="Lisu" typeface="Segoe UI"/>
+        <a:font script="Mymr" typeface="Myanmar Text"/>
+        <a:font script="Nkoo" typeface="Ebrima"/>
+        <a:font script="Olck" typeface="Nirmala UI"/>
+        <a:font script="Osma" typeface="Ebrima"/>
+        <a:font script="Phag" typeface="Phagspa"/>
+        <a:font script="Syrn" typeface="Estrangelo Edessa"/>
+        <a:font script="Syrj" typeface="Estrangelo Edessa"/>
+        <a:font script="Syre" typeface="Estrangelo Edessa"/>
+        <a:font script="Sora" typeface="Nirmala UI"/>
+        <a:font script="Tale" typeface="Microsoft Tai Le"/>
+        <a:font script="Talu" typeface="Microsoft New Tai Lue"/>
+        <a:font script="Tfng" typeface="Ebrima"/>
+      </a:minorFont>
+    </a:fontScheme>
+    <a:fmtScheme name="Office">
+      <a:fillStyleLst>
+        <a:solidFill>
+          <a:schemeClr val="phClr"/>
+        </a:solidFill>
+        <a:gradFill rotWithShape="1">
+          <a:gsLst>
+            <a:gs pos="0">
+              <a:schemeClr val="phClr">
+                <a:lumMod val="110000"/>
+                <a:satMod val="105000"/>
+                <a:tint val="67000"/>
+              </a:schemeClr>
+            </a:gs>
+            <a:gs pos="50000">
+              <a:schemeClr val="phClr">
+                <a:lumMod val="105000"/>
+                <a:satMod val="103000"/>
+                <a:tint val="73000"/>
+              </a:schemeClr>
+            </a:gs>
+            <a:gs pos="100000">
+              <a:schemeClr val="phClr">
+                <a:lumMod val="105000"/>
+                <a:satMod val="109000"/>
+                <a:tint val="81000"/>
+              </a:schemeClr>
+            </a:gs>
+          </a:gsLst>
+          <a:lin ang="5400000" scaled="0"/>
+        </a:gradFill>
+        <a:gradFill rotWithShape="1">
+          <a:gsLst>
+            <a:gs pos="0">
+              <a:schemeClr val="phClr">
+                <a:satMod val="103000"/>
+                <a:lumMod val="102000"/>
+                <a:tint val="94000"/>
+              </a:schemeClr>
+            </a:gs>
+            <a:gs pos="50000">
+              <a:schemeClr val="phClr">
+                <a:satMod val="110000"/>
+                <a:lumMod val="100000"/>
+                <a:shade val="100000"/>
+              </a:schemeClr>
+            </a:gs>
+            <a:gs pos="100000">
+              <a:schemeClr val="phClr">
+                <a:lumMod val="99000"/>
+                <a:satMod val="120000"/>
+                <a:shade val="78000"/>
+              </a:schemeClr>
+            </a:gs>
+          </a:gsLst>
+          <a:lin ang="5400000" scaled="0"/>
+        </a:gradFill>
+      </a:fillStyleLst>
+      <a:lnStyleLst>
+        <a:ln w="6350" cap="flat" cmpd="sng" algn="ctr">
+          <a:solidFill>
+            <a:schemeClr val="phClr"/>
+          </a:solidFill>
+          <a:prstDash val="solid"/>
+          <a:miter lim="800000"/>
+        </a:ln>
+        <a:ln w="12700" cap="flat" cmpd="sng" algn="ctr">
+          <a:solidFill>
+            <a:schemeClr val="phClr"/>
+          </a:solidFill>
+          <a:prstDash val="solid"/>
+          <a:miter lim="800000"/>
+        </a:ln>
+        <a:ln w="19050" cap="flat" cmpd="sng" algn="ctr">
+          <a:solidFill>
+            <a:schemeClr val="phClr"/>
+          </a:solidFill>
+          <a:prstDash val="solid"/>
+          <a:miter lim="800000"/>
+        </a:ln>
+      </a:lnStyleLst>
+      <a:effectStyleLst>
+        <a:effectStyle>
+          <a:effectLst/>
+        </a:effectStyle>
+        <a:effectStyle>
+          <a:effectLst/>
+        </a:effectStyle>
+        <a:effectStyle>
+          <a:effectLst>
+            <a:outerShdw blurRad="57150" dist="19050" dir="5400000" algn="ctr" rotWithShape="0">
+              <a:srgbClr val="000000">
+                <a:alpha val="63000"/>
+              </a:srgbClr>
+            </a:outerShdw>
+          </a:effectLst>
+        </a:effectStyle>
+      </a:effectStyleLst>
+      <a:bgFillStyleLst>
+        <a:solidFill>
+          <a:schemeClr val="phClr"/>
+        </a:solidFill>
+        <a:solidFill>
+          <a:schemeClr val="phClr">
+            <a:tint val="95000"/>
+            <a:satMod val="170000"/>
+          </a:schemeClr>
+        </a:solidFill>
+        <a:gradFill rotWithShape="1">
+          <a:gsLst>
+            <a:gs pos="0">
+              <a:schemeClr val="phClr">
+                <a:tint val="93000"/>
+                <a:satMod val="150000"/>
+                <a:shade val="98000"/>
+                <a:lumMod val="102000"/>
+              </a:schemeClr>
+            </a:gs>
+            <a:gs pos="50000">
+              <a:schemeClr val="phClr">
+                <a:tint val="98000"/>
+                <a:satMod val="130000"/>
+                <a:shade val="90000"/>
+                <a:lumMod val="103000"/>
+              </a:schemeClr>
+            </a:gs>
+            <a:gs pos="100000">
+              <a:schemeClr val="phClr">
+                <a:shade val="63000"/>
+                <a:satMod val="120000"/>
+              </a:schemeClr>
+            </a:gs>
+          </a:gsLst>
+          <a:lin ang="5400000" scaled="0"/>
+        </a:gradFill>
+      </a:bgFillStyleLst>
+    </a:fmtScheme>
+  </a:themeElements>
+  <a:objectDefaults/>
+  <a:extraClrSchemeLst/>
+  <a:extLst>
+    <a:ext uri="{05A4C25C-085E-4340-85A3-A5531E510DB2}">
+      <thm15:themeFamily xmlns:thm15="http://schemas.microsoft.com/office/thememl/2012/main" name="Office Theme" id="{62F939B6-93AF-4DB8-9C6B-D6C7DFDC589F}" vid="{4A3C46E8-61CC-4603-A589-7422A47A8E4A}"/>
+    </a:ext>
+  </a:extLst>
+</a:theme>
 </file>
--- a/individualmaps.pptx
+++ b/individualmaps.pptx
@@ -5,7 +5,7 @@
     <p:sldMasterId id="2147483648" r:id="rId1"/>
   </p:sldMasterIdLst>
   <p:notesMasterIdLst>
-    <p:notesMasterId r:id="rId7"/>
+    <p:notesMasterId r:id="rId14"/>
   </p:notesMasterIdLst>
   <p:sldIdLst>
     <p:sldId id="256" r:id="rId2"/>
@@ -13,6 +13,13 @@
     <p:sldId id="258" r:id="rId4"/>
     <p:sldId id="259" r:id="rId5"/>
     <p:sldId id="260" r:id="rId6"/>
+    <p:sldId id="261" r:id="rId7"/>
+    <p:sldId id="262" r:id="rId8"/>
+    <p:sldId id="263" r:id="rId9"/>
+    <p:sldId id="264" r:id="rId10"/>
+    <p:sldId id="265" r:id="rId11"/>
+    <p:sldId id="266" r:id="rId12"/>
+    <p:sldId id="267" r:id="rId13"/>
   </p:sldIdLst>
   <p:sldSz cx="12192000" cy="6858000"/>
   <p:notesSz cx="6858000" cy="9144000"/>
@@ -201,7 +208,7 @@
           <a:p>
             <a:fld id="{545E65CD-57B2-4509-A4FC-F089F1DED931}" type="datetimeFigureOut">
               <a:rPr lang="en-US" smtClean="0"/>
-              <a:t>10/27/2021</a:t>
+              <a:t>11/9/2021</a:t>
             </a:fld>
             <a:endParaRPr lang="en-US"/>
           </a:p>
@@ -615,7 +622,7 @@
           <a:p>
             <a:fld id="{46C23AC7-CAD3-4991-AC7A-69A5FF2278A6}" type="datetime1">
               <a:rPr lang="en-US" smtClean="0"/>
-              <a:t>10/27/2021</a:t>
+              <a:t>11/9/2021</a:t>
             </a:fld>
             <a:endParaRPr lang="en-US"/>
           </a:p>
@@ -813,7 +820,7 @@
           <a:p>
             <a:fld id="{EFB9B713-8850-4EC7-AA82-E8422942268A}" type="datetime1">
               <a:rPr lang="en-US" smtClean="0"/>
-              <a:t>10/27/2021</a:t>
+              <a:t>11/9/2021</a:t>
             </a:fld>
             <a:endParaRPr lang="en-US"/>
           </a:p>
@@ -1021,7 +1028,7 @@
           <a:p>
             <a:fld id="{04472B49-0CC5-4650-B771-6D7BDC04CDAC}" type="datetime1">
               <a:rPr lang="en-US" smtClean="0"/>
-              <a:t>10/27/2021</a:t>
+              <a:t>11/9/2021</a:t>
             </a:fld>
             <a:endParaRPr lang="en-US"/>
           </a:p>
@@ -1219,7 +1226,7 @@
           <a:p>
             <a:fld id="{6C6AB477-FF6B-4D99-8B74-00100769E200}" type="datetime1">
               <a:rPr lang="en-US" smtClean="0"/>
-              <a:t>10/27/2021</a:t>
+              <a:t>11/9/2021</a:t>
             </a:fld>
             <a:endParaRPr lang="en-US"/>
           </a:p>
@@ -1494,7 +1501,7 @@
           <a:p>
             <a:fld id="{5B6394E8-4A30-47BC-8D86-FEEC32E71731}" type="datetime1">
               <a:rPr lang="en-US" smtClean="0"/>
-              <a:t>10/27/2021</a:t>
+              <a:t>11/9/2021</a:t>
             </a:fld>
             <a:endParaRPr lang="en-US"/>
           </a:p>
@@ -1759,7 +1766,7 @@
           <a:p>
             <a:fld id="{7E9D8834-0222-4028-B223-C673D073BDD4}" type="datetime1">
               <a:rPr lang="en-US" smtClean="0"/>
-              <a:t>10/27/2021</a:t>
+              <a:t>11/9/2021</a:t>
             </a:fld>
             <a:endParaRPr lang="en-US"/>
           </a:p>
@@ -2171,7 +2178,7 @@
           <a:p>
             <a:fld id="{C6AA874B-2C0A-4395-B488-84118E9E5A02}" type="datetime1">
               <a:rPr lang="en-US" smtClean="0"/>
-              <a:t>10/27/2021</a:t>
+              <a:t>11/9/2021</a:t>
             </a:fld>
             <a:endParaRPr lang="en-US"/>
           </a:p>
@@ -2312,7 +2319,7 @@
           <a:p>
             <a:fld id="{37D7B85B-0D59-482F-821C-FD8F8E608F00}" type="datetime1">
               <a:rPr lang="en-US" smtClean="0"/>
-              <a:t>10/27/2021</a:t>
+              <a:t>11/9/2021</a:t>
             </a:fld>
             <a:endParaRPr lang="en-US"/>
           </a:p>
@@ -2425,7 +2432,7 @@
           <a:p>
             <a:fld id="{3F043AEA-C6B4-4015-8CC5-AD00B8FFFDA2}" type="datetime1">
               <a:rPr lang="en-US" smtClean="0"/>
-              <a:t>10/27/2021</a:t>
+              <a:t>11/9/2021</a:t>
             </a:fld>
             <a:endParaRPr lang="en-US"/>
           </a:p>
@@ -2736,7 +2743,7 @@
           <a:p>
             <a:fld id="{CF4630D9-8669-4B4E-B6E1-1A47A981269C}" type="datetime1">
               <a:rPr lang="en-US" smtClean="0"/>
-              <a:t>10/27/2021</a:t>
+              <a:t>11/9/2021</a:t>
             </a:fld>
             <a:endParaRPr lang="en-US"/>
           </a:p>
@@ -3024,7 +3031,7 @@
           <a:p>
             <a:fld id="{3D60E094-193C-486A-A420-E23B8664E227}" type="datetime1">
               <a:rPr lang="en-US" smtClean="0"/>
-              <a:t>10/27/2021</a:t>
+              <a:t>11/9/2021</a:t>
             </a:fld>
             <a:endParaRPr lang="en-US"/>
           </a:p>
@@ -3265,7 +3272,7 @@
           <a:p>
             <a:fld id="{E871DB1B-3385-4DB1-9C3E-FAF2B1D9BF86}" type="datetime1">
               <a:rPr lang="en-US" smtClean="0"/>
-              <a:t>10/27/2021</a:t>
+              <a:t>11/9/2021</a:t>
             </a:fld>
             <a:endParaRPr lang="en-US"/>
           </a:p>
@@ -3704,8 +3711,8 @@
         </p:blipFill>
         <p:spPr>
           <a:xfrm>
-            <a:off x="772732" y="1094704"/>
-            <a:ext cx="5267459" cy="5112768"/>
+            <a:off x="179418" y="843733"/>
+            <a:ext cx="5783848" cy="5613992"/>
           </a:xfrm>
           <a:prstGeom prst="rect">
             <a:avLst/>
@@ -3733,8 +3740,8 @@
         </p:blipFill>
         <p:spPr>
           <a:xfrm>
-            <a:off x="6265572" y="1094704"/>
-            <a:ext cx="4617076" cy="4353061"/>
+            <a:off x="6228736" y="918474"/>
+            <a:ext cx="5513075" cy="5197825"/>
           </a:xfrm>
           <a:prstGeom prst="rect">
             <a:avLst/>
@@ -3771,13 +3778,8 @@
           <a:p>
             <a:r>
               <a:rPr lang="en-US" dirty="0"/>
-              <a:t>MW 2 </a:t>
-            </a:r>
-            <a:r>
-              <a:rPr lang="en-US" dirty="0" err="1"/>
-              <a:t>SEptember</a:t>
-            </a:r>
-            <a:endParaRPr lang="en-US" dirty="0"/>
+              <a:t>MW 2 September</a:t>
+            </a:r>
           </a:p>
         </p:txBody>
       </p:sp>
@@ -3849,6 +3851,466 @@
     <p:extLst>
       <p:ext uri="{BB962C8B-B14F-4D97-AF65-F5344CB8AC3E}">
         <p14:creationId xmlns:p14="http://schemas.microsoft.com/office/powerpoint/2010/main" val="3700573975"/>
+      </p:ext>
+    </p:extLst>
+  </p:cSld>
+  <p:clrMapOvr>
+    <a:masterClrMapping/>
+  </p:clrMapOvr>
+</p:sld>
+</file>
+
+<file path=ppt/slides/slide10.xml><?xml version="1.0" encoding="utf-8"?>
+<p:sld xmlns:a="http://schemas.openxmlformats.org/drawingml/2006/main" xmlns:r="http://schemas.openxmlformats.org/officeDocument/2006/relationships" xmlns:p="http://schemas.openxmlformats.org/presentationml/2006/main">
+  <p:cSld>
+    <p:spTree>
+      <p:nvGrpSpPr>
+        <p:cNvPr id="1" name=""/>
+        <p:cNvGrpSpPr/>
+        <p:nvPr/>
+      </p:nvGrpSpPr>
+      <p:grpSpPr>
+        <a:xfrm>
+          <a:off x="0" y="0"/>
+          <a:ext cx="0" cy="0"/>
+          <a:chOff x="0" y="0"/>
+          <a:chExt cx="0" cy="0"/>
+        </a:xfrm>
+      </p:grpSpPr>
+      <p:sp>
+        <p:nvSpPr>
+          <p:cNvPr id="4" name="Slide Number Placeholder 3">
+            <a:extLst>
+              <a:ext uri="{FF2B5EF4-FFF2-40B4-BE49-F238E27FC236}">
+                <a16:creationId xmlns:a16="http://schemas.microsoft.com/office/drawing/2014/main" id="{E865FF20-6AF9-4EF2-B692-DD9C83CCBED2}"/>
+              </a:ext>
+            </a:extLst>
+          </p:cNvPr>
+          <p:cNvSpPr>
+            <a:spLocks noGrp="1"/>
+          </p:cNvSpPr>
+          <p:nvPr>
+            <p:ph type="sldNum" sz="quarter" idx="12"/>
+          </p:nvPr>
+        </p:nvSpPr>
+        <p:spPr/>
+        <p:txBody>
+          <a:bodyPr/>
+          <a:lstStyle/>
+          <a:p>
+            <a:fld id="{C65F0D4D-5833-4BE3-87E9-B2DEFD833204}" type="slidenum">
+              <a:rPr lang="en-US" smtClean="0"/>
+              <a:t>10</a:t>
+            </a:fld>
+            <a:endParaRPr lang="en-US"/>
+          </a:p>
+        </p:txBody>
+      </p:sp>
+      <p:sp>
+        <p:nvSpPr>
+          <p:cNvPr id="7" name="TextBox 6">
+            <a:extLst>
+              <a:ext uri="{FF2B5EF4-FFF2-40B4-BE49-F238E27FC236}">
+                <a16:creationId xmlns:a16="http://schemas.microsoft.com/office/drawing/2014/main" id="{C9003309-429F-4E9D-8827-9F69266AA80A}"/>
+              </a:ext>
+            </a:extLst>
+          </p:cNvPr>
+          <p:cNvSpPr txBox="1"/>
+          <p:nvPr/>
+        </p:nvSpPr>
+        <p:spPr>
+          <a:xfrm>
+            <a:off x="674974" y="231197"/>
+            <a:ext cx="1815921" cy="646331"/>
+          </a:xfrm>
+          <a:prstGeom prst="rect">
+            <a:avLst/>
+          </a:prstGeom>
+          <a:noFill/>
+        </p:spPr>
+        <p:txBody>
+          <a:bodyPr wrap="square" rtlCol="0">
+            <a:spAutoFit/>
+          </a:bodyPr>
+          <a:lstStyle/>
+          <a:p>
+            <a:r>
+              <a:rPr lang="en-US" dirty="0"/>
+              <a:t>11TTh September</a:t>
+            </a:r>
+          </a:p>
+        </p:txBody>
+      </p:sp>
+    </p:spTree>
+    <p:extLst>
+      <p:ext uri="{BB962C8B-B14F-4D97-AF65-F5344CB8AC3E}">
+        <p14:creationId xmlns:p14="http://schemas.microsoft.com/office/powerpoint/2010/main" val="1562660849"/>
+      </p:ext>
+    </p:extLst>
+  </p:cSld>
+  <p:clrMapOvr>
+    <a:masterClrMapping/>
+  </p:clrMapOvr>
+</p:sld>
+</file>
+
+<file path=ppt/slides/slide11.xml><?xml version="1.0" encoding="utf-8"?>
+<p:sld xmlns:a="http://schemas.openxmlformats.org/drawingml/2006/main" xmlns:r="http://schemas.openxmlformats.org/officeDocument/2006/relationships" xmlns:p="http://schemas.openxmlformats.org/presentationml/2006/main">
+  <p:cSld>
+    <p:spTree>
+      <p:nvGrpSpPr>
+        <p:cNvPr id="1" name=""/>
+        <p:cNvGrpSpPr/>
+        <p:nvPr/>
+      </p:nvGrpSpPr>
+      <p:grpSpPr>
+        <a:xfrm>
+          <a:off x="0" y="0"/>
+          <a:ext cx="0" cy="0"/>
+          <a:chOff x="0" y="0"/>
+          <a:chExt cx="0" cy="0"/>
+        </a:xfrm>
+      </p:grpSpPr>
+      <p:sp>
+        <p:nvSpPr>
+          <p:cNvPr id="2" name="Title 1">
+            <a:extLst>
+              <a:ext uri="{FF2B5EF4-FFF2-40B4-BE49-F238E27FC236}">
+                <a16:creationId xmlns:a16="http://schemas.microsoft.com/office/drawing/2014/main" id="{C287191D-A27B-477F-AFA1-081D05912B07}"/>
+              </a:ext>
+            </a:extLst>
+          </p:cNvPr>
+          <p:cNvSpPr>
+            <a:spLocks noGrp="1"/>
+          </p:cNvSpPr>
+          <p:nvPr>
+            <p:ph type="title"/>
+          </p:nvPr>
+        </p:nvSpPr>
+        <p:spPr/>
+        <p:txBody>
+          <a:bodyPr/>
+          <a:lstStyle/>
+          <a:p>
+            <a:endParaRPr lang="en-US" dirty="0"/>
+          </a:p>
+        </p:txBody>
+      </p:sp>
+      <p:sp>
+        <p:nvSpPr>
+          <p:cNvPr id="3" name="Content Placeholder 2">
+            <a:extLst>
+              <a:ext uri="{FF2B5EF4-FFF2-40B4-BE49-F238E27FC236}">
+                <a16:creationId xmlns:a16="http://schemas.microsoft.com/office/drawing/2014/main" id="{7A772A5B-D809-4AE0-A4BF-80ED0D9C104B}"/>
+              </a:ext>
+            </a:extLst>
+          </p:cNvPr>
+          <p:cNvSpPr>
+            <a:spLocks noGrp="1"/>
+          </p:cNvSpPr>
+          <p:nvPr>
+            <p:ph idx="1"/>
+          </p:nvPr>
+        </p:nvSpPr>
+        <p:spPr/>
+        <p:txBody>
+          <a:bodyPr/>
+          <a:lstStyle/>
+          <a:p>
+            <a:endParaRPr lang="en-US"/>
+          </a:p>
+        </p:txBody>
+      </p:sp>
+      <p:sp>
+        <p:nvSpPr>
+          <p:cNvPr id="4" name="Slide Number Placeholder 3">
+            <a:extLst>
+              <a:ext uri="{FF2B5EF4-FFF2-40B4-BE49-F238E27FC236}">
+                <a16:creationId xmlns:a16="http://schemas.microsoft.com/office/drawing/2014/main" id="{D7AE1DCC-4765-4C20-9AB7-8173187FA5C6}"/>
+              </a:ext>
+            </a:extLst>
+          </p:cNvPr>
+          <p:cNvSpPr>
+            <a:spLocks noGrp="1"/>
+          </p:cNvSpPr>
+          <p:nvPr>
+            <p:ph type="sldNum" sz="quarter" idx="12"/>
+          </p:nvPr>
+        </p:nvSpPr>
+        <p:spPr/>
+        <p:txBody>
+          <a:bodyPr/>
+          <a:lstStyle/>
+          <a:p>
+            <a:fld id="{C65F0D4D-5833-4BE3-87E9-B2DEFD833204}" type="slidenum">
+              <a:rPr lang="en-US" smtClean="0"/>
+              <a:t>11</a:t>
+            </a:fld>
+            <a:endParaRPr lang="en-US"/>
+          </a:p>
+        </p:txBody>
+      </p:sp>
+      <p:pic>
+        <p:nvPicPr>
+          <p:cNvPr id="5" name="Picture 4" descr="Chart, scatter chart&#10;&#10;Description automatically generated">
+            <a:extLst>
+              <a:ext uri="{FF2B5EF4-FFF2-40B4-BE49-F238E27FC236}">
+                <a16:creationId xmlns:a16="http://schemas.microsoft.com/office/drawing/2014/main" id="{EDC445EC-952E-4540-9EB9-9FD262CB7DFA}"/>
+              </a:ext>
+            </a:extLst>
+          </p:cNvPr>
+          <p:cNvPicPr>
+            <a:picLocks noChangeAspect="1"/>
+          </p:cNvPicPr>
+          <p:nvPr/>
+        </p:nvPicPr>
+        <p:blipFill rotWithShape="1">
+          <a:blip r:embed="rId2"/>
+          <a:srcRect l="29087" t="7858" r="22276" b="17331"/>
+          <a:stretch/>
+        </p:blipFill>
+        <p:spPr bwMode="auto">
+          <a:xfrm>
+            <a:off x="0" y="365125"/>
+            <a:ext cx="7149359" cy="5607532"/>
+          </a:xfrm>
+          <a:prstGeom prst="rect">
+            <a:avLst/>
+          </a:prstGeom>
+          <a:ln>
+            <a:noFill/>
+          </a:ln>
+          <a:extLst>
+            <a:ext uri="{53640926-AAD7-44D8-BBD7-CCE9431645EC}">
+              <a14:shadowObscured xmlns:a14="http://schemas.microsoft.com/office/drawing/2010/main"/>
+            </a:ext>
+          </a:extLst>
+        </p:spPr>
+      </p:pic>
+      <p:pic>
+        <p:nvPicPr>
+          <p:cNvPr id="6" name="Picture 5" descr="Map&#10;&#10;Description automatically generated">
+            <a:extLst>
+              <a:ext uri="{FF2B5EF4-FFF2-40B4-BE49-F238E27FC236}">
+                <a16:creationId xmlns:a16="http://schemas.microsoft.com/office/drawing/2014/main" id="{D03BF11D-2DD2-4F40-BBEA-76F2725052D0}"/>
+              </a:ext>
+            </a:extLst>
+          </p:cNvPr>
+          <p:cNvPicPr>
+            <a:picLocks noChangeAspect="1"/>
+          </p:cNvPicPr>
+          <p:nvPr/>
+        </p:nvPicPr>
+        <p:blipFill rotWithShape="1">
+          <a:blip r:embed="rId3"/>
+          <a:srcRect l="29009" t="10373" r="21875" b="14652"/>
+          <a:stretch/>
+        </p:blipFill>
+        <p:spPr bwMode="auto">
+          <a:xfrm>
+            <a:off x="6258045" y="690650"/>
+            <a:ext cx="6367554" cy="4956482"/>
+          </a:xfrm>
+          <a:prstGeom prst="rect">
+            <a:avLst/>
+          </a:prstGeom>
+          <a:ln>
+            <a:noFill/>
+          </a:ln>
+          <a:extLst>
+            <a:ext uri="{53640926-AAD7-44D8-BBD7-CCE9431645EC}">
+              <a14:shadowObscured xmlns:a14="http://schemas.microsoft.com/office/drawing/2010/main"/>
+            </a:ext>
+          </a:extLst>
+        </p:spPr>
+      </p:pic>
+    </p:spTree>
+    <p:extLst>
+      <p:ext uri="{BB962C8B-B14F-4D97-AF65-F5344CB8AC3E}">
+        <p14:creationId xmlns:p14="http://schemas.microsoft.com/office/powerpoint/2010/main" val="4009420338"/>
+      </p:ext>
+    </p:extLst>
+  </p:cSld>
+  <p:clrMapOvr>
+    <a:masterClrMapping/>
+  </p:clrMapOvr>
+</p:sld>
+</file>
+
+<file path=ppt/slides/slide12.xml><?xml version="1.0" encoding="utf-8"?>
+<p:sld xmlns:a="http://schemas.openxmlformats.org/drawingml/2006/main" xmlns:r="http://schemas.openxmlformats.org/officeDocument/2006/relationships" xmlns:p="http://schemas.openxmlformats.org/presentationml/2006/main">
+  <p:cSld>
+    <p:spTree>
+      <p:nvGrpSpPr>
+        <p:cNvPr id="1" name=""/>
+        <p:cNvGrpSpPr/>
+        <p:nvPr/>
+      </p:nvGrpSpPr>
+      <p:grpSpPr>
+        <a:xfrm>
+          <a:off x="0" y="0"/>
+          <a:ext cx="0" cy="0"/>
+          <a:chOff x="0" y="0"/>
+          <a:chExt cx="0" cy="0"/>
+        </a:xfrm>
+      </p:grpSpPr>
+      <p:sp>
+        <p:nvSpPr>
+          <p:cNvPr id="2" name="Title 1">
+            <a:extLst>
+              <a:ext uri="{FF2B5EF4-FFF2-40B4-BE49-F238E27FC236}">
+                <a16:creationId xmlns:a16="http://schemas.microsoft.com/office/drawing/2014/main" id="{1310186C-C695-4F32-B44B-5E9029FCC505}"/>
+              </a:ext>
+            </a:extLst>
+          </p:cNvPr>
+          <p:cNvSpPr>
+            <a:spLocks noGrp="1"/>
+          </p:cNvSpPr>
+          <p:nvPr>
+            <p:ph type="title"/>
+          </p:nvPr>
+        </p:nvSpPr>
+        <p:spPr/>
+        <p:txBody>
+          <a:bodyPr/>
+          <a:lstStyle/>
+          <a:p>
+            <a:endParaRPr lang="en-US"/>
+          </a:p>
+        </p:txBody>
+      </p:sp>
+      <p:sp>
+        <p:nvSpPr>
+          <p:cNvPr id="3" name="Content Placeholder 2">
+            <a:extLst>
+              <a:ext uri="{FF2B5EF4-FFF2-40B4-BE49-F238E27FC236}">
+                <a16:creationId xmlns:a16="http://schemas.microsoft.com/office/drawing/2014/main" id="{B45EDDF7-E61D-4D5B-A7A8-5C98B7BC1BBC}"/>
+              </a:ext>
+            </a:extLst>
+          </p:cNvPr>
+          <p:cNvSpPr>
+            <a:spLocks noGrp="1"/>
+          </p:cNvSpPr>
+          <p:nvPr>
+            <p:ph idx="1"/>
+          </p:nvPr>
+        </p:nvSpPr>
+        <p:spPr/>
+        <p:txBody>
+          <a:bodyPr/>
+          <a:lstStyle/>
+          <a:p>
+            <a:endParaRPr lang="en-US"/>
+          </a:p>
+        </p:txBody>
+      </p:sp>
+      <p:sp>
+        <p:nvSpPr>
+          <p:cNvPr id="4" name="Slide Number Placeholder 3">
+            <a:extLst>
+              <a:ext uri="{FF2B5EF4-FFF2-40B4-BE49-F238E27FC236}">
+                <a16:creationId xmlns:a16="http://schemas.microsoft.com/office/drawing/2014/main" id="{764C6527-B803-4921-B4E0-1F7A28BD96BC}"/>
+              </a:ext>
+            </a:extLst>
+          </p:cNvPr>
+          <p:cNvSpPr>
+            <a:spLocks noGrp="1"/>
+          </p:cNvSpPr>
+          <p:nvPr>
+            <p:ph type="sldNum" sz="quarter" idx="12"/>
+          </p:nvPr>
+        </p:nvSpPr>
+        <p:spPr/>
+        <p:txBody>
+          <a:bodyPr/>
+          <a:lstStyle/>
+          <a:p>
+            <a:fld id="{C65F0D4D-5833-4BE3-87E9-B2DEFD833204}" type="slidenum">
+              <a:rPr lang="en-US" smtClean="0"/>
+              <a:t>12</a:t>
+            </a:fld>
+            <a:endParaRPr lang="en-US"/>
+          </a:p>
+        </p:txBody>
+      </p:sp>
+      <p:pic>
+        <p:nvPicPr>
+          <p:cNvPr id="5" name="Picture 4" descr="Chart&#10;&#10;Description automatically generated with low confidence">
+            <a:extLst>
+              <a:ext uri="{FF2B5EF4-FFF2-40B4-BE49-F238E27FC236}">
+                <a16:creationId xmlns:a16="http://schemas.microsoft.com/office/drawing/2014/main" id="{043EF00B-60D8-4370-BAA2-3C0C83213E6F}"/>
+              </a:ext>
+            </a:extLst>
+          </p:cNvPr>
+          <p:cNvPicPr>
+            <a:picLocks noChangeAspect="1"/>
+          </p:cNvPicPr>
+          <p:nvPr/>
+        </p:nvPicPr>
+        <p:blipFill rotWithShape="1">
+          <a:blip r:embed="rId2"/>
+          <a:srcRect l="30291" t="7701" r="23477" b="12449"/>
+          <a:stretch/>
+        </p:blipFill>
+        <p:spPr bwMode="auto">
+          <a:xfrm>
+            <a:off x="-321217" y="154188"/>
+            <a:ext cx="7041306" cy="6202162"/>
+          </a:xfrm>
+          <a:prstGeom prst="rect">
+            <a:avLst/>
+          </a:prstGeom>
+          <a:ln>
+            <a:noFill/>
+          </a:ln>
+          <a:extLst>
+            <a:ext uri="{53640926-AAD7-44D8-BBD7-CCE9431645EC}">
+              <a14:shadowObscured xmlns:a14="http://schemas.microsoft.com/office/drawing/2010/main"/>
+            </a:ext>
+          </a:extLst>
+        </p:spPr>
+      </p:pic>
+      <p:pic>
+        <p:nvPicPr>
+          <p:cNvPr id="6" name="Picture 5" descr="Map&#10;&#10;Description automatically generated">
+            <a:extLst>
+              <a:ext uri="{FF2B5EF4-FFF2-40B4-BE49-F238E27FC236}">
+                <a16:creationId xmlns:a16="http://schemas.microsoft.com/office/drawing/2014/main" id="{A4C2B9DA-BD6D-4F19-A3A1-9D010930DECE}"/>
+              </a:ext>
+            </a:extLst>
+          </p:cNvPr>
+          <p:cNvPicPr>
+            <a:picLocks noChangeAspect="1"/>
+          </p:cNvPicPr>
+          <p:nvPr/>
+        </p:nvPicPr>
+        <p:blipFill rotWithShape="1">
+          <a:blip r:embed="rId3"/>
+          <a:srcRect l="31733" t="9744" r="26522" b="16064"/>
+          <a:stretch/>
+        </p:blipFill>
+        <p:spPr bwMode="auto">
+          <a:xfrm>
+            <a:off x="5989028" y="752084"/>
+            <a:ext cx="6059255" cy="5491152"/>
+          </a:xfrm>
+          <a:prstGeom prst="rect">
+            <a:avLst/>
+          </a:prstGeom>
+          <a:ln>
+            <a:noFill/>
+          </a:ln>
+          <a:extLst>
+            <a:ext uri="{53640926-AAD7-44D8-BBD7-CCE9431645EC}">
+              <a14:shadowObscured xmlns:a14="http://schemas.microsoft.com/office/drawing/2010/main"/>
+            </a:ext>
+          </a:extLst>
+        </p:spPr>
+      </p:pic>
+    </p:spTree>
+    <p:extLst>
+      <p:ext uri="{BB962C8B-B14F-4D97-AF65-F5344CB8AC3E}">
+        <p14:creationId xmlns:p14="http://schemas.microsoft.com/office/powerpoint/2010/main" val="573525806"/>
       </p:ext>
     </p:extLst>
   </p:cSld>
@@ -4432,7 +4894,7 @@
         </p:blipFill>
         <p:spPr>
           <a:xfrm>
-            <a:off x="2696497" y="523568"/>
+            <a:off x="2652252" y="427391"/>
             <a:ext cx="6049296" cy="5368414"/>
           </a:xfrm>
           <a:prstGeom prst="rect">
@@ -4479,6 +4941,527 @@
     <p:extLst>
       <p:ext uri="{BB962C8B-B14F-4D97-AF65-F5344CB8AC3E}">
         <p14:creationId xmlns:p14="http://schemas.microsoft.com/office/powerpoint/2010/main" val="3968304436"/>
+      </p:ext>
+    </p:extLst>
+  </p:cSld>
+  <p:clrMapOvr>
+    <a:masterClrMapping/>
+  </p:clrMapOvr>
+</p:sld>
+</file>
+
+<file path=ppt/slides/slide6.xml><?xml version="1.0" encoding="utf-8"?>
+<p:sld xmlns:a="http://schemas.openxmlformats.org/drawingml/2006/main" xmlns:r="http://schemas.openxmlformats.org/officeDocument/2006/relationships" xmlns:p="http://schemas.openxmlformats.org/presentationml/2006/main">
+  <p:cSld>
+    <p:spTree>
+      <p:nvGrpSpPr>
+        <p:cNvPr id="1" name=""/>
+        <p:cNvGrpSpPr/>
+        <p:nvPr/>
+      </p:nvGrpSpPr>
+      <p:grpSpPr>
+        <a:xfrm>
+          <a:off x="0" y="0"/>
+          <a:ext cx="0" cy="0"/>
+          <a:chOff x="0" y="0"/>
+          <a:chExt cx="0" cy="0"/>
+        </a:xfrm>
+      </p:grpSpPr>
+      <p:sp>
+        <p:nvSpPr>
+          <p:cNvPr id="4" name="Slide Number Placeholder 3">
+            <a:extLst>
+              <a:ext uri="{FF2B5EF4-FFF2-40B4-BE49-F238E27FC236}">
+                <a16:creationId xmlns:a16="http://schemas.microsoft.com/office/drawing/2014/main" id="{1B8A2364-A74F-4608-8763-3D148C7DE2B5}"/>
+              </a:ext>
+            </a:extLst>
+          </p:cNvPr>
+          <p:cNvSpPr>
+            <a:spLocks noGrp="1"/>
+          </p:cNvSpPr>
+          <p:nvPr>
+            <p:ph type="sldNum" sz="quarter" idx="12"/>
+          </p:nvPr>
+        </p:nvSpPr>
+        <p:spPr/>
+        <p:txBody>
+          <a:bodyPr/>
+          <a:lstStyle/>
+          <a:p>
+            <a:fld id="{C65F0D4D-5833-4BE3-87E9-B2DEFD833204}" type="slidenum">
+              <a:rPr lang="en-US" smtClean="0"/>
+              <a:t>6</a:t>
+            </a:fld>
+            <a:endParaRPr lang="en-US"/>
+          </a:p>
+        </p:txBody>
+      </p:sp>
+      <p:pic>
+        <p:nvPicPr>
+          <p:cNvPr id="6" name="Picture 5">
+            <a:extLst>
+              <a:ext uri="{FF2B5EF4-FFF2-40B4-BE49-F238E27FC236}">
+                <a16:creationId xmlns:a16="http://schemas.microsoft.com/office/drawing/2014/main" id="{AD275E72-87A5-42C7-922B-7899E722B380}"/>
+              </a:ext>
+            </a:extLst>
+          </p:cNvPr>
+          <p:cNvPicPr>
+            <a:picLocks noChangeAspect="1"/>
+          </p:cNvPicPr>
+          <p:nvPr/>
+        </p:nvPicPr>
+        <p:blipFill rotWithShape="1">
+          <a:blip r:embed="rId2"/>
+          <a:srcRect l="29374" t="8373" r="24638" b="12761"/>
+          <a:stretch/>
+        </p:blipFill>
+        <p:spPr>
+          <a:xfrm>
+            <a:off x="3588776" y="255707"/>
+            <a:ext cx="6587612" cy="5761635"/>
+          </a:xfrm>
+          <a:prstGeom prst="rect">
+            <a:avLst/>
+          </a:prstGeom>
+        </p:spPr>
+      </p:pic>
+      <p:sp>
+        <p:nvSpPr>
+          <p:cNvPr id="7" name="TextBox 6">
+            <a:extLst>
+              <a:ext uri="{FF2B5EF4-FFF2-40B4-BE49-F238E27FC236}">
+                <a16:creationId xmlns:a16="http://schemas.microsoft.com/office/drawing/2014/main" id="{ECB0F1A9-8FA1-4D4A-B32D-661D03FA5B80}"/>
+              </a:ext>
+            </a:extLst>
+          </p:cNvPr>
+          <p:cNvSpPr txBox="1"/>
+          <p:nvPr/>
+        </p:nvSpPr>
+        <p:spPr>
+          <a:xfrm>
+            <a:off x="611435" y="320040"/>
+            <a:ext cx="1815921" cy="369332"/>
+          </a:xfrm>
+          <a:prstGeom prst="rect">
+            <a:avLst/>
+          </a:prstGeom>
+          <a:noFill/>
+        </p:spPr>
+        <p:txBody>
+          <a:bodyPr wrap="square" rtlCol="0">
+            <a:spAutoFit/>
+          </a:bodyPr>
+          <a:lstStyle/>
+          <a:p>
+            <a:r>
+              <a:rPr lang="en-US" dirty="0"/>
+              <a:t>MW7 December</a:t>
+            </a:r>
+          </a:p>
+        </p:txBody>
+      </p:sp>
+    </p:spTree>
+    <p:extLst>
+      <p:ext uri="{BB962C8B-B14F-4D97-AF65-F5344CB8AC3E}">
+        <p14:creationId xmlns:p14="http://schemas.microsoft.com/office/powerpoint/2010/main" val="179786406"/>
+      </p:ext>
+    </p:extLst>
+  </p:cSld>
+  <p:clrMapOvr>
+    <a:masterClrMapping/>
+  </p:clrMapOvr>
+</p:sld>
+</file>
+
+<file path=ppt/slides/slide7.xml><?xml version="1.0" encoding="utf-8"?>
+<p:sld xmlns:a="http://schemas.openxmlformats.org/drawingml/2006/main" xmlns:r="http://schemas.openxmlformats.org/officeDocument/2006/relationships" xmlns:p="http://schemas.openxmlformats.org/presentationml/2006/main">
+  <p:cSld>
+    <p:spTree>
+      <p:nvGrpSpPr>
+        <p:cNvPr id="1" name=""/>
+        <p:cNvGrpSpPr/>
+        <p:nvPr/>
+      </p:nvGrpSpPr>
+      <p:grpSpPr>
+        <a:xfrm>
+          <a:off x="0" y="0"/>
+          <a:ext cx="0" cy="0"/>
+          <a:chOff x="0" y="0"/>
+          <a:chExt cx="0" cy="0"/>
+        </a:xfrm>
+      </p:grpSpPr>
+      <p:sp>
+        <p:nvSpPr>
+          <p:cNvPr id="4" name="Slide Number Placeholder 3">
+            <a:extLst>
+              <a:ext uri="{FF2B5EF4-FFF2-40B4-BE49-F238E27FC236}">
+                <a16:creationId xmlns:a16="http://schemas.microsoft.com/office/drawing/2014/main" id="{7AA9CD6F-EFC0-4635-A810-3F6166185038}"/>
+              </a:ext>
+            </a:extLst>
+          </p:cNvPr>
+          <p:cNvSpPr>
+            <a:spLocks noGrp="1"/>
+          </p:cNvSpPr>
+          <p:nvPr>
+            <p:ph type="sldNum" sz="quarter" idx="12"/>
+          </p:nvPr>
+        </p:nvSpPr>
+        <p:spPr/>
+        <p:txBody>
+          <a:bodyPr/>
+          <a:lstStyle/>
+          <a:p>
+            <a:fld id="{C65F0D4D-5833-4BE3-87E9-B2DEFD833204}" type="slidenum">
+              <a:rPr lang="en-US" smtClean="0"/>
+              <a:t>7</a:t>
+            </a:fld>
+            <a:endParaRPr lang="en-US"/>
+          </a:p>
+        </p:txBody>
+      </p:sp>
+      <p:pic>
+        <p:nvPicPr>
+          <p:cNvPr id="6" name="Picture 5">
+            <a:extLst>
+              <a:ext uri="{FF2B5EF4-FFF2-40B4-BE49-F238E27FC236}">
+                <a16:creationId xmlns:a16="http://schemas.microsoft.com/office/drawing/2014/main" id="{6AE1E6DC-375B-470D-BFD2-CA13C490C455}"/>
+              </a:ext>
+            </a:extLst>
+          </p:cNvPr>
+          <p:cNvPicPr>
+            <a:picLocks noChangeAspect="1"/>
+          </p:cNvPicPr>
+          <p:nvPr/>
+        </p:nvPicPr>
+        <p:blipFill rotWithShape="1">
+          <a:blip r:embed="rId2"/>
+          <a:srcRect l="30302" t="8136" r="24516" b="11694"/>
+          <a:stretch/>
+        </p:blipFill>
+        <p:spPr>
+          <a:xfrm>
+            <a:off x="2131141" y="292705"/>
+            <a:ext cx="6902245" cy="6246207"/>
+          </a:xfrm>
+          <a:prstGeom prst="rect">
+            <a:avLst/>
+          </a:prstGeom>
+        </p:spPr>
+      </p:pic>
+      <p:sp>
+        <p:nvSpPr>
+          <p:cNvPr id="7" name="TextBox 6">
+            <a:extLst>
+              <a:ext uri="{FF2B5EF4-FFF2-40B4-BE49-F238E27FC236}">
+                <a16:creationId xmlns:a16="http://schemas.microsoft.com/office/drawing/2014/main" id="{36F993EF-E5CF-476F-BF0C-DB983C2EDA92}"/>
+              </a:ext>
+            </a:extLst>
+          </p:cNvPr>
+          <p:cNvSpPr txBox="1"/>
+          <p:nvPr/>
+        </p:nvSpPr>
+        <p:spPr>
+          <a:xfrm>
+            <a:off x="611435" y="242725"/>
+            <a:ext cx="1815921" cy="369332"/>
+          </a:xfrm>
+          <a:prstGeom prst="rect">
+            <a:avLst/>
+          </a:prstGeom>
+          <a:noFill/>
+        </p:spPr>
+        <p:txBody>
+          <a:bodyPr wrap="square" rtlCol="0">
+            <a:spAutoFit/>
+          </a:bodyPr>
+          <a:lstStyle/>
+          <a:p>
+            <a:r>
+              <a:rPr lang="en-US" dirty="0"/>
+              <a:t>MW8 December</a:t>
+            </a:r>
+          </a:p>
+        </p:txBody>
+      </p:sp>
+    </p:spTree>
+    <p:extLst>
+      <p:ext uri="{BB962C8B-B14F-4D97-AF65-F5344CB8AC3E}">
+        <p14:creationId xmlns:p14="http://schemas.microsoft.com/office/powerpoint/2010/main" val="3258445672"/>
+      </p:ext>
+    </p:extLst>
+  </p:cSld>
+  <p:clrMapOvr>
+    <a:masterClrMapping/>
+  </p:clrMapOvr>
+</p:sld>
+</file>
+
+<file path=ppt/slides/slide8.xml><?xml version="1.0" encoding="utf-8"?>
+<p:sld xmlns:a="http://schemas.openxmlformats.org/drawingml/2006/main" xmlns:r="http://schemas.openxmlformats.org/officeDocument/2006/relationships" xmlns:p="http://schemas.openxmlformats.org/presentationml/2006/main">
+  <p:cSld>
+    <p:spTree>
+      <p:nvGrpSpPr>
+        <p:cNvPr id="1" name=""/>
+        <p:cNvGrpSpPr/>
+        <p:nvPr/>
+      </p:nvGrpSpPr>
+      <p:grpSpPr>
+        <a:xfrm>
+          <a:off x="0" y="0"/>
+          <a:ext cx="0" cy="0"/>
+          <a:chOff x="0" y="0"/>
+          <a:chExt cx="0" cy="0"/>
+        </a:xfrm>
+      </p:grpSpPr>
+      <p:sp>
+        <p:nvSpPr>
+          <p:cNvPr id="4" name="Slide Number Placeholder 3">
+            <a:extLst>
+              <a:ext uri="{FF2B5EF4-FFF2-40B4-BE49-F238E27FC236}">
+                <a16:creationId xmlns:a16="http://schemas.microsoft.com/office/drawing/2014/main" id="{230EE68E-BDCE-4C5F-B79C-14CF6912443E}"/>
+              </a:ext>
+            </a:extLst>
+          </p:cNvPr>
+          <p:cNvSpPr>
+            <a:spLocks noGrp="1"/>
+          </p:cNvSpPr>
+          <p:nvPr>
+            <p:ph type="sldNum" sz="quarter" idx="12"/>
+          </p:nvPr>
+        </p:nvSpPr>
+        <p:spPr/>
+        <p:txBody>
+          <a:bodyPr/>
+          <a:lstStyle/>
+          <a:p>
+            <a:fld id="{C65F0D4D-5833-4BE3-87E9-B2DEFD833204}" type="slidenum">
+              <a:rPr lang="en-US" smtClean="0"/>
+              <a:t>8</a:t>
+            </a:fld>
+            <a:endParaRPr lang="en-US"/>
+          </a:p>
+        </p:txBody>
+      </p:sp>
+      <p:pic>
+        <p:nvPicPr>
+          <p:cNvPr id="6" name="Picture 5">
+            <a:extLst>
+              <a:ext uri="{FF2B5EF4-FFF2-40B4-BE49-F238E27FC236}">
+                <a16:creationId xmlns:a16="http://schemas.microsoft.com/office/drawing/2014/main" id="{AE726BE4-6E82-4A67-89FB-7D2E4FFA15A1}"/>
+              </a:ext>
+            </a:extLst>
+          </p:cNvPr>
+          <p:cNvPicPr>
+            <a:picLocks noChangeAspect="1"/>
+          </p:cNvPicPr>
+          <p:nvPr/>
+        </p:nvPicPr>
+        <p:blipFill rotWithShape="1">
+          <a:blip r:embed="rId2"/>
+          <a:srcRect l="28246" t="8373" r="25060" b="10508"/>
+          <a:stretch/>
+        </p:blipFill>
+        <p:spPr>
+          <a:xfrm>
+            <a:off x="191730" y="242725"/>
+            <a:ext cx="7434034" cy="6586629"/>
+          </a:xfrm>
+          <a:prstGeom prst="rect">
+            <a:avLst/>
+          </a:prstGeom>
+        </p:spPr>
+      </p:pic>
+      <p:sp>
+        <p:nvSpPr>
+          <p:cNvPr id="7" name="TextBox 6">
+            <a:extLst>
+              <a:ext uri="{FF2B5EF4-FFF2-40B4-BE49-F238E27FC236}">
+                <a16:creationId xmlns:a16="http://schemas.microsoft.com/office/drawing/2014/main" id="{B43EB267-56C0-45E9-A524-D05C4A764262}"/>
+              </a:ext>
+            </a:extLst>
+          </p:cNvPr>
+          <p:cNvSpPr txBox="1"/>
+          <p:nvPr/>
+        </p:nvSpPr>
+        <p:spPr>
+          <a:xfrm>
+            <a:off x="611435" y="242725"/>
+            <a:ext cx="1815921" cy="369332"/>
+          </a:xfrm>
+          <a:prstGeom prst="rect">
+            <a:avLst/>
+          </a:prstGeom>
+          <a:noFill/>
+        </p:spPr>
+        <p:txBody>
+          <a:bodyPr wrap="square" rtlCol="0">
+            <a:spAutoFit/>
+          </a:bodyPr>
+          <a:lstStyle/>
+          <a:p>
+            <a:r>
+              <a:rPr lang="en-US" dirty="0"/>
+              <a:t>9TTh September</a:t>
+            </a:r>
+          </a:p>
+        </p:txBody>
+      </p:sp>
+    </p:spTree>
+    <p:extLst>
+      <p:ext uri="{BB962C8B-B14F-4D97-AF65-F5344CB8AC3E}">
+        <p14:creationId xmlns:p14="http://schemas.microsoft.com/office/powerpoint/2010/main" val="1536175140"/>
+      </p:ext>
+    </p:extLst>
+  </p:cSld>
+  <p:clrMapOvr>
+    <a:masterClrMapping/>
+  </p:clrMapOvr>
+</p:sld>
+</file>
+
+<file path=ppt/slides/slide9.xml><?xml version="1.0" encoding="utf-8"?>
+<p:sld xmlns:a="http://schemas.openxmlformats.org/drawingml/2006/main" xmlns:r="http://schemas.openxmlformats.org/officeDocument/2006/relationships" xmlns:p="http://schemas.openxmlformats.org/presentationml/2006/main">
+  <p:cSld>
+    <p:spTree>
+      <p:nvGrpSpPr>
+        <p:cNvPr id="1" name=""/>
+        <p:cNvGrpSpPr/>
+        <p:nvPr/>
+      </p:nvGrpSpPr>
+      <p:grpSpPr>
+        <a:xfrm>
+          <a:off x="0" y="0"/>
+          <a:ext cx="0" cy="0"/>
+          <a:chOff x="0" y="0"/>
+          <a:chExt cx="0" cy="0"/>
+        </a:xfrm>
+      </p:grpSpPr>
+      <p:sp>
+        <p:nvSpPr>
+          <p:cNvPr id="4" name="Slide Number Placeholder 3">
+            <a:extLst>
+              <a:ext uri="{FF2B5EF4-FFF2-40B4-BE49-F238E27FC236}">
+                <a16:creationId xmlns:a16="http://schemas.microsoft.com/office/drawing/2014/main" id="{1258DF2E-4B75-4FF9-B3A2-E258AD2642B1}"/>
+              </a:ext>
+            </a:extLst>
+          </p:cNvPr>
+          <p:cNvSpPr>
+            <a:spLocks noGrp="1"/>
+          </p:cNvSpPr>
+          <p:nvPr>
+            <p:ph type="sldNum" sz="quarter" idx="12"/>
+          </p:nvPr>
+        </p:nvSpPr>
+        <p:spPr/>
+        <p:txBody>
+          <a:bodyPr/>
+          <a:lstStyle/>
+          <a:p>
+            <a:fld id="{C65F0D4D-5833-4BE3-87E9-B2DEFD833204}" type="slidenum">
+              <a:rPr lang="en-US" smtClean="0"/>
+              <a:t>9</a:t>
+            </a:fld>
+            <a:endParaRPr lang="en-US"/>
+          </a:p>
+        </p:txBody>
+      </p:sp>
+      <p:pic>
+        <p:nvPicPr>
+          <p:cNvPr id="8" name="Picture 7">
+            <a:extLst>
+              <a:ext uri="{FF2B5EF4-FFF2-40B4-BE49-F238E27FC236}">
+                <a16:creationId xmlns:a16="http://schemas.microsoft.com/office/drawing/2014/main" id="{EC8EC1F4-4B63-42F9-A07B-6547322AF093}"/>
+              </a:ext>
+            </a:extLst>
+          </p:cNvPr>
+          <p:cNvPicPr>
+            <a:picLocks noChangeAspect="1"/>
+          </p:cNvPicPr>
+          <p:nvPr/>
+        </p:nvPicPr>
+        <p:blipFill rotWithShape="1">
+          <a:blip r:embed="rId2"/>
+          <a:srcRect l="30707" t="5287" r="23915" b="13492"/>
+          <a:stretch/>
+        </p:blipFill>
+        <p:spPr>
+          <a:xfrm>
+            <a:off x="200216" y="896198"/>
+            <a:ext cx="5831459" cy="5323268"/>
+          </a:xfrm>
+          <a:prstGeom prst="rect">
+            <a:avLst/>
+          </a:prstGeom>
+        </p:spPr>
+      </p:pic>
+      <p:sp>
+        <p:nvSpPr>
+          <p:cNvPr id="7" name="TextBox 6">
+            <a:extLst>
+              <a:ext uri="{FF2B5EF4-FFF2-40B4-BE49-F238E27FC236}">
+                <a16:creationId xmlns:a16="http://schemas.microsoft.com/office/drawing/2014/main" id="{4A02097E-7B3F-47D4-AC55-113F4535EC98}"/>
+              </a:ext>
+            </a:extLst>
+          </p:cNvPr>
+          <p:cNvSpPr txBox="1"/>
+          <p:nvPr/>
+        </p:nvSpPr>
+        <p:spPr>
+          <a:xfrm>
+            <a:off x="778212" y="249867"/>
+            <a:ext cx="1815921" cy="646331"/>
+          </a:xfrm>
+          <a:prstGeom prst="rect">
+            <a:avLst/>
+          </a:prstGeom>
+          <a:noFill/>
+        </p:spPr>
+        <p:txBody>
+          <a:bodyPr wrap="square" rtlCol="0">
+            <a:spAutoFit/>
+          </a:bodyPr>
+          <a:lstStyle/>
+          <a:p>
+            <a:r>
+              <a:rPr lang="en-US" dirty="0"/>
+              <a:t>10TTh September</a:t>
+            </a:r>
+          </a:p>
+        </p:txBody>
+      </p:sp>
+      <p:pic>
+        <p:nvPicPr>
+          <p:cNvPr id="9" name="Picture 8">
+            <a:extLst>
+              <a:ext uri="{FF2B5EF4-FFF2-40B4-BE49-F238E27FC236}">
+                <a16:creationId xmlns:a16="http://schemas.microsoft.com/office/drawing/2014/main" id="{AE44A4A8-8B08-4315-B7AD-258F09C62AD7}"/>
+              </a:ext>
+            </a:extLst>
+          </p:cNvPr>
+          <p:cNvPicPr>
+            <a:picLocks noChangeAspect="1"/>
+          </p:cNvPicPr>
+          <p:nvPr/>
+        </p:nvPicPr>
+        <p:blipFill rotWithShape="1">
+          <a:blip r:embed="rId3"/>
+          <a:srcRect l="30605" t="10151" r="25242" b="11694"/>
+          <a:stretch/>
+        </p:blipFill>
+        <p:spPr>
+          <a:xfrm>
+            <a:off x="6245527" y="896198"/>
+            <a:ext cx="5896789" cy="5323268"/>
+          </a:xfrm>
+          <a:prstGeom prst="rect">
+            <a:avLst/>
+          </a:prstGeom>
+        </p:spPr>
+      </p:pic>
+    </p:spTree>
+    <p:extLst>
+      <p:ext uri="{BB962C8B-B14F-4D97-AF65-F5344CB8AC3E}">
+        <p14:creationId xmlns:p14="http://schemas.microsoft.com/office/powerpoint/2010/main" val="2248823037"/>
       </p:ext>
     </p:extLst>
   </p:cSld>
